--- a/doc/TMA_CTU_Thesis_Presentation.pptx
+++ b/doc/TMA_CTU_Thesis_Presentation.pptx
@@ -43,6 +43,7 @@
     <p:sldId id="281" r:id="rId37"/>
     <p:sldId id="294" r:id="rId38"/>
     <p:sldId id="293" r:id="rId39"/>
+    <p:sldId id="295" r:id="rId40"/>
   </p:sldIdLst>
   <p:sldSz cx="12192000" cy="6858000"/>
   <p:notesSz cx="6858000" cy="9144000"/>
@@ -141,6 +142,11 @@
       </a:defRPr>
     </a:lvl9pPr>
   </p:defaultTextStyle>
+  <p:extLst>
+    <p:ext uri="{EFAFB233-063F-42B5-8137-9DF3F51BA10A}">
+      <p15:sldGuideLst xmlns:p15="http://schemas.microsoft.com/office/powerpoint/2012/main"/>
+    </p:ext>
+  </p:extLst>
 </p:presentation>
 </file>
 
@@ -201,7 +207,7 @@
           <a:noFill/>
           <a:extLst>
             <a:ext uri="{909E8E84-426E-40dd-AFC4-6F175D3DCCD1}">
-              <a14:hiddenFill xmlns:a14="http://schemas.microsoft.com/office/drawing/2010/main" xmlns="">
+              <a14:hiddenFill xmlns="" xmlns:a14="http://schemas.microsoft.com/office/drawing/2010/main">
                 <a:solidFill>
                   <a:srgbClr val="FFFFFF"/>
                 </a:solidFill>
@@ -260,7 +266,7 @@
             </a:ln>
             <a:extLst>
               <a:ext uri="{91240B29-F687-4f45-9708-019B960494DF}">
-                <a14:hiddenLine xmlns:a14="http://schemas.microsoft.com/office/drawing/2010/main" xmlns="" w="9525">
+                <a14:hiddenLine xmlns="" xmlns:a14="http://schemas.microsoft.com/office/drawing/2010/main" w="9525">
                   <a:solidFill>
                     <a:srgbClr val="000000"/>
                   </a:solidFill>
@@ -350,7 +356,7 @@
             </a:ln>
             <a:extLst>
               <a:ext uri="{91240B29-F687-4f45-9708-019B960494DF}">
-                <a14:hiddenLine xmlns:a14="http://schemas.microsoft.com/office/drawing/2010/main" xmlns="" w="9525">
+                <a14:hiddenLine xmlns="" xmlns:a14="http://schemas.microsoft.com/office/drawing/2010/main" w="9525">
                   <a:solidFill>
                     <a:srgbClr val="000000"/>
                   </a:solidFill>
@@ -440,7 +446,7 @@
             </a:ln>
             <a:extLst>
               <a:ext uri="{91240B29-F687-4f45-9708-019B960494DF}">
-                <a14:hiddenLine xmlns:a14="http://schemas.microsoft.com/office/drawing/2010/main" xmlns="" w="9525">
+                <a14:hiddenLine xmlns="" xmlns:a14="http://schemas.microsoft.com/office/drawing/2010/main" w="9525">
                   <a:solidFill>
                     <a:srgbClr val="000000"/>
                   </a:solidFill>
@@ -474,7 +480,7 @@
             </a:ln>
             <a:extLst>
               <a:ext uri="{91240B29-F687-4f45-9708-019B960494DF}">
-                <a14:hiddenLine xmlns:a14="http://schemas.microsoft.com/office/drawing/2010/main" xmlns="" w="9525">
+                <a14:hiddenLine xmlns="" xmlns:a14="http://schemas.microsoft.com/office/drawing/2010/main" w="9525">
                   <a:solidFill>
                     <a:srgbClr val="000000"/>
                   </a:solidFill>
@@ -564,7 +570,7 @@
             </a:ln>
             <a:extLst>
               <a:ext uri="{91240B29-F687-4f45-9708-019B960494DF}">
-                <a14:hiddenLine xmlns:a14="http://schemas.microsoft.com/office/drawing/2010/main" xmlns="" w="9525">
+                <a14:hiddenLine xmlns="" xmlns:a14="http://schemas.microsoft.com/office/drawing/2010/main" w="9525">
                   <a:solidFill>
                     <a:srgbClr val="000000"/>
                   </a:solidFill>
@@ -626,7 +632,7 @@
             </a:ln>
             <a:extLst>
               <a:ext uri="{91240B29-F687-4f45-9708-019B960494DF}">
-                <a14:hiddenLine xmlns:a14="http://schemas.microsoft.com/office/drawing/2010/main" xmlns="" w="9525">
+                <a14:hiddenLine xmlns="" xmlns:a14="http://schemas.microsoft.com/office/drawing/2010/main" w="9525">
                   <a:solidFill>
                     <a:srgbClr val="000000"/>
                   </a:solidFill>
@@ -688,7 +694,7 @@
             </a:ln>
             <a:extLst>
               <a:ext uri="{91240B29-F687-4f45-9708-019B960494DF}">
-                <a14:hiddenLine xmlns:a14="http://schemas.microsoft.com/office/drawing/2010/main" xmlns="" w="9525">
+                <a14:hiddenLine xmlns="" xmlns:a14="http://schemas.microsoft.com/office/drawing/2010/main" w="9525">
                   <a:solidFill>
                     <a:srgbClr val="000000"/>
                   </a:solidFill>
@@ -778,7 +784,7 @@
             </a:ln>
             <a:extLst>
               <a:ext uri="{91240B29-F687-4f45-9708-019B960494DF}">
-                <a14:hiddenLine xmlns:a14="http://schemas.microsoft.com/office/drawing/2010/main" xmlns="" w="9525">
+                <a14:hiddenLine xmlns="" xmlns:a14="http://schemas.microsoft.com/office/drawing/2010/main" w="9525">
                   <a:solidFill>
                     <a:srgbClr val="000000"/>
                   </a:solidFill>
@@ -840,7 +846,7 @@
             </a:ln>
             <a:extLst>
               <a:ext uri="{91240B29-F687-4f45-9708-019B960494DF}">
-                <a14:hiddenLine xmlns:a14="http://schemas.microsoft.com/office/drawing/2010/main" xmlns="" w="9525">
+                <a14:hiddenLine xmlns="" xmlns:a14="http://schemas.microsoft.com/office/drawing/2010/main" w="9525">
                   <a:solidFill>
                     <a:srgbClr val="000000"/>
                   </a:solidFill>
@@ -902,7 +908,7 @@
             </a:ln>
             <a:extLst>
               <a:ext uri="{91240B29-F687-4f45-9708-019B960494DF}">
-                <a14:hiddenLine xmlns:a14="http://schemas.microsoft.com/office/drawing/2010/main" xmlns="" w="9525">
+                <a14:hiddenLine xmlns="" xmlns:a14="http://schemas.microsoft.com/office/drawing/2010/main" w="9525">
                   <a:solidFill>
                     <a:srgbClr val="000000"/>
                   </a:solidFill>
@@ -992,7 +998,7 @@
             </a:ln>
             <a:extLst>
               <a:ext uri="{91240B29-F687-4f45-9708-019B960494DF}">
-                <a14:hiddenLine xmlns:a14="http://schemas.microsoft.com/office/drawing/2010/main" xmlns="" w="9525">
+                <a14:hiddenLine xmlns="" xmlns:a14="http://schemas.microsoft.com/office/drawing/2010/main" w="9525">
                   <a:solidFill>
                     <a:srgbClr val="000000"/>
                   </a:solidFill>
@@ -1082,7 +1088,7 @@
             </a:ln>
             <a:extLst>
               <a:ext uri="{91240B29-F687-4f45-9708-019B960494DF}">
-                <a14:hiddenLine xmlns:a14="http://schemas.microsoft.com/office/drawing/2010/main" xmlns="" w="9525">
+                <a14:hiddenLine xmlns="" xmlns:a14="http://schemas.microsoft.com/office/drawing/2010/main" w="9525">
                   <a:solidFill>
                     <a:srgbClr val="000000"/>
                   </a:solidFill>
@@ -1144,7 +1150,7 @@
             </a:ln>
             <a:extLst>
               <a:ext uri="{91240B29-F687-4f45-9708-019B960494DF}">
-                <a14:hiddenLine xmlns:a14="http://schemas.microsoft.com/office/drawing/2010/main" xmlns="" w="9525">
+                <a14:hiddenLine xmlns="" xmlns:a14="http://schemas.microsoft.com/office/drawing/2010/main" w="9525">
                   <a:solidFill>
                     <a:srgbClr val="000000"/>
                   </a:solidFill>
@@ -1254,7 +1260,7 @@
             </a:ln>
             <a:extLst>
               <a:ext uri="{91240B29-F687-4f45-9708-019B960494DF}">
-                <a14:hiddenLine xmlns:a14="http://schemas.microsoft.com/office/drawing/2010/main" xmlns="" w="9525">
+                <a14:hiddenLine xmlns="" xmlns:a14="http://schemas.microsoft.com/office/drawing/2010/main" w="9525">
                   <a:solidFill>
                     <a:srgbClr val="000000"/>
                   </a:solidFill>
@@ -1316,7 +1322,7 @@
             </a:ln>
             <a:extLst>
               <a:ext uri="{91240B29-F687-4f45-9708-019B960494DF}">
-                <a14:hiddenLine xmlns:a14="http://schemas.microsoft.com/office/drawing/2010/main" xmlns="" w="9525">
+                <a14:hiddenLine xmlns="" xmlns:a14="http://schemas.microsoft.com/office/drawing/2010/main" w="9525">
                   <a:solidFill>
                     <a:srgbClr val="000000"/>
                   </a:solidFill>
@@ -1406,7 +1412,7 @@
             </a:ln>
             <a:extLst>
               <a:ext uri="{91240B29-F687-4f45-9708-019B960494DF}">
-                <a14:hiddenLine xmlns:a14="http://schemas.microsoft.com/office/drawing/2010/main" xmlns="" w="9525">
+                <a14:hiddenLine xmlns="" xmlns:a14="http://schemas.microsoft.com/office/drawing/2010/main" w="9525">
                   <a:solidFill>
                     <a:srgbClr val="000000"/>
                   </a:solidFill>
@@ -1496,7 +1502,7 @@
             </a:ln>
             <a:extLst>
               <a:ext uri="{91240B29-F687-4f45-9708-019B960494DF}">
-                <a14:hiddenLine xmlns:a14="http://schemas.microsoft.com/office/drawing/2010/main" xmlns="" w="9525">
+                <a14:hiddenLine xmlns="" xmlns:a14="http://schemas.microsoft.com/office/drawing/2010/main" w="9525">
                   <a:solidFill>
                     <a:srgbClr val="000000"/>
                   </a:solidFill>
@@ -1558,7 +1564,7 @@
             </a:ln>
             <a:extLst>
               <a:ext uri="{91240B29-F687-4f45-9708-019B960494DF}">
-                <a14:hiddenLine xmlns:a14="http://schemas.microsoft.com/office/drawing/2010/main" xmlns="" w="9525">
+                <a14:hiddenLine xmlns="" xmlns:a14="http://schemas.microsoft.com/office/drawing/2010/main" w="9525">
                   <a:solidFill>
                     <a:srgbClr val="000000"/>
                   </a:solidFill>
@@ -1648,7 +1654,7 @@
             </a:ln>
             <a:extLst>
               <a:ext uri="{91240B29-F687-4f45-9708-019B960494DF}">
-                <a14:hiddenLine xmlns:a14="http://schemas.microsoft.com/office/drawing/2010/main" xmlns="" w="9525">
+                <a14:hiddenLine xmlns="" xmlns:a14="http://schemas.microsoft.com/office/drawing/2010/main" w="9525">
                   <a:solidFill>
                     <a:srgbClr val="000000"/>
                   </a:solidFill>
@@ -1738,7 +1744,7 @@
             </a:ln>
             <a:extLst>
               <a:ext uri="{91240B29-F687-4f45-9708-019B960494DF}">
-                <a14:hiddenLine xmlns:a14="http://schemas.microsoft.com/office/drawing/2010/main" xmlns="" w="9525">
+                <a14:hiddenLine xmlns="" xmlns:a14="http://schemas.microsoft.com/office/drawing/2010/main" w="9525">
                   <a:solidFill>
                     <a:srgbClr val="000000"/>
                   </a:solidFill>
@@ -1794,7 +1800,7 @@
             </a:ln>
             <a:extLst>
               <a:ext uri="{91240B29-F687-4f45-9708-019B960494DF}">
-                <a14:hiddenLine xmlns:a14="http://schemas.microsoft.com/office/drawing/2010/main" xmlns="" w="9525">
+                <a14:hiddenLine xmlns="" xmlns:a14="http://schemas.microsoft.com/office/drawing/2010/main" w="9525">
                   <a:solidFill>
                     <a:srgbClr val="000000"/>
                   </a:solidFill>
@@ -1884,7 +1890,7 @@
             </a:ln>
             <a:extLst>
               <a:ext uri="{91240B29-F687-4f45-9708-019B960494DF}">
-                <a14:hiddenLine xmlns:a14="http://schemas.microsoft.com/office/drawing/2010/main" xmlns="" w="9525">
+                <a14:hiddenLine xmlns="" xmlns:a14="http://schemas.microsoft.com/office/drawing/2010/main" w="9525">
                   <a:solidFill>
                     <a:srgbClr val="000000"/>
                   </a:solidFill>
@@ -1940,7 +1946,7 @@
             </a:ln>
             <a:extLst>
               <a:ext uri="{91240B29-F687-4f45-9708-019B960494DF}">
-                <a14:hiddenLine xmlns:a14="http://schemas.microsoft.com/office/drawing/2010/main" xmlns="" w="9525">
+                <a14:hiddenLine xmlns="" xmlns:a14="http://schemas.microsoft.com/office/drawing/2010/main" w="9525">
                   <a:solidFill>
                     <a:srgbClr val="000000"/>
                   </a:solidFill>
@@ -2030,7 +2036,7 @@
             </a:ln>
             <a:extLst>
               <a:ext uri="{91240B29-F687-4f45-9708-019B960494DF}">
-                <a14:hiddenLine xmlns:a14="http://schemas.microsoft.com/office/drawing/2010/main" xmlns="" w="9525">
+                <a14:hiddenLine xmlns="" xmlns:a14="http://schemas.microsoft.com/office/drawing/2010/main" w="9525">
                   <a:solidFill>
                     <a:srgbClr val="000000"/>
                   </a:solidFill>
@@ -2098,7 +2104,7 @@
             </a:ln>
             <a:extLst>
               <a:ext uri="{91240B29-F687-4f45-9708-019B960494DF}">
-                <a14:hiddenLine xmlns:a14="http://schemas.microsoft.com/office/drawing/2010/main" xmlns="" w="9525">
+                <a14:hiddenLine xmlns="" xmlns:a14="http://schemas.microsoft.com/office/drawing/2010/main" w="9525">
                   <a:solidFill>
                     <a:srgbClr val="000000"/>
                   </a:solidFill>
@@ -2188,7 +2194,7 @@
             </a:ln>
             <a:extLst>
               <a:ext uri="{91240B29-F687-4f45-9708-019B960494DF}">
-                <a14:hiddenLine xmlns:a14="http://schemas.microsoft.com/office/drawing/2010/main" xmlns="" w="9525">
+                <a14:hiddenLine xmlns="" xmlns:a14="http://schemas.microsoft.com/office/drawing/2010/main" w="9525">
                   <a:solidFill>
                     <a:srgbClr val="000000"/>
                   </a:solidFill>
@@ -2256,7 +2262,7 @@
             </a:ln>
             <a:extLst>
               <a:ext uri="{91240B29-F687-4f45-9708-019B960494DF}">
-                <a14:hiddenLine xmlns:a14="http://schemas.microsoft.com/office/drawing/2010/main" xmlns="" w="9525">
+                <a14:hiddenLine xmlns="" xmlns:a14="http://schemas.microsoft.com/office/drawing/2010/main" w="9525">
                   <a:solidFill>
                     <a:srgbClr val="000000"/>
                   </a:solidFill>
@@ -2346,7 +2352,7 @@
             </a:ln>
             <a:extLst>
               <a:ext uri="{91240B29-F687-4f45-9708-019B960494DF}">
-                <a14:hiddenLine xmlns:a14="http://schemas.microsoft.com/office/drawing/2010/main" xmlns="" w="9525">
+                <a14:hiddenLine xmlns="" xmlns:a14="http://schemas.microsoft.com/office/drawing/2010/main" w="9525">
                   <a:solidFill>
                     <a:srgbClr val="000000"/>
                   </a:solidFill>
@@ -2380,7 +2386,7 @@
             </a:ln>
             <a:extLst>
               <a:ext uri="{91240B29-F687-4f45-9708-019B960494DF}">
-                <a14:hiddenLine xmlns:a14="http://schemas.microsoft.com/office/drawing/2010/main" xmlns="" w="9525">
+                <a14:hiddenLine xmlns="" xmlns:a14="http://schemas.microsoft.com/office/drawing/2010/main" w="9525">
                   <a:solidFill>
                     <a:srgbClr val="000000"/>
                   </a:solidFill>
@@ -2470,7 +2476,7 @@
             </a:ln>
             <a:extLst>
               <a:ext uri="{91240B29-F687-4f45-9708-019B960494DF}">
-                <a14:hiddenLine xmlns:a14="http://schemas.microsoft.com/office/drawing/2010/main" xmlns="" w="9525">
+                <a14:hiddenLine xmlns="" xmlns:a14="http://schemas.microsoft.com/office/drawing/2010/main" w="9525">
                   <a:solidFill>
                     <a:srgbClr val="000000"/>
                   </a:solidFill>
@@ -2532,7 +2538,7 @@
             </a:ln>
             <a:extLst>
               <a:ext uri="{91240B29-F687-4f45-9708-019B960494DF}">
-                <a14:hiddenLine xmlns:a14="http://schemas.microsoft.com/office/drawing/2010/main" xmlns="" w="9525">
+                <a14:hiddenLine xmlns="" xmlns:a14="http://schemas.microsoft.com/office/drawing/2010/main" w="9525">
                   <a:solidFill>
                     <a:srgbClr val="000000"/>
                   </a:solidFill>
@@ -2594,7 +2600,7 @@
             </a:ln>
             <a:extLst>
               <a:ext uri="{91240B29-F687-4f45-9708-019B960494DF}">
-                <a14:hiddenLine xmlns:a14="http://schemas.microsoft.com/office/drawing/2010/main" xmlns="" w="9525">
+                <a14:hiddenLine xmlns="" xmlns:a14="http://schemas.microsoft.com/office/drawing/2010/main" w="9525">
                   <a:solidFill>
                     <a:srgbClr val="000000"/>
                   </a:solidFill>
@@ -2684,7 +2690,7 @@
             </a:ln>
             <a:extLst>
               <a:ext uri="{91240B29-F687-4f45-9708-019B960494DF}">
-                <a14:hiddenLine xmlns:a14="http://schemas.microsoft.com/office/drawing/2010/main" xmlns="" w="9525">
+                <a14:hiddenLine xmlns="" xmlns:a14="http://schemas.microsoft.com/office/drawing/2010/main" w="9525">
                   <a:solidFill>
                     <a:srgbClr val="000000"/>
                   </a:solidFill>
@@ -2752,7 +2758,7 @@
             </a:ln>
             <a:extLst>
               <a:ext uri="{91240B29-F687-4f45-9708-019B960494DF}">
-                <a14:hiddenLine xmlns:a14="http://schemas.microsoft.com/office/drawing/2010/main" xmlns="" w="9525">
+                <a14:hiddenLine xmlns="" xmlns:a14="http://schemas.microsoft.com/office/drawing/2010/main" w="9525">
                   <a:solidFill>
                     <a:srgbClr val="000000"/>
                   </a:solidFill>
@@ -2814,7 +2820,7 @@
             </a:ln>
             <a:extLst>
               <a:ext uri="{91240B29-F687-4f45-9708-019B960494DF}">
-                <a14:hiddenLine xmlns:a14="http://schemas.microsoft.com/office/drawing/2010/main" xmlns="" w="9525">
+                <a14:hiddenLine xmlns="" xmlns:a14="http://schemas.microsoft.com/office/drawing/2010/main" w="9525">
                   <a:solidFill>
                     <a:srgbClr val="000000"/>
                   </a:solidFill>
@@ -2904,7 +2910,7 @@
             </a:ln>
             <a:extLst>
               <a:ext uri="{91240B29-F687-4f45-9708-019B960494DF}">
-                <a14:hiddenLine xmlns:a14="http://schemas.microsoft.com/office/drawing/2010/main" xmlns="" w="9525">
+                <a14:hiddenLine xmlns="" xmlns:a14="http://schemas.microsoft.com/office/drawing/2010/main" w="9525">
                   <a:solidFill>
                     <a:srgbClr val="000000"/>
                   </a:solidFill>
@@ -2966,7 +2972,7 @@
             </a:ln>
             <a:extLst>
               <a:ext uri="{91240B29-F687-4f45-9708-019B960494DF}">
-                <a14:hiddenLine xmlns:a14="http://schemas.microsoft.com/office/drawing/2010/main" xmlns="" w="9525">
+                <a14:hiddenLine xmlns="" xmlns:a14="http://schemas.microsoft.com/office/drawing/2010/main" w="9525">
                   <a:solidFill>
                     <a:srgbClr val="000000"/>
                   </a:solidFill>
@@ -3056,7 +3062,7 @@
             </a:ln>
             <a:extLst>
               <a:ext uri="{91240B29-F687-4f45-9708-019B960494DF}">
-                <a14:hiddenLine xmlns:a14="http://schemas.microsoft.com/office/drawing/2010/main" xmlns="" w="9525">
+                <a14:hiddenLine xmlns="" xmlns:a14="http://schemas.microsoft.com/office/drawing/2010/main" w="9525">
                   <a:solidFill>
                     <a:srgbClr val="000000"/>
                   </a:solidFill>
@@ -3118,7 +3124,7 @@
             </a:ln>
             <a:extLst>
               <a:ext uri="{91240B29-F687-4f45-9708-019B960494DF}">
-                <a14:hiddenLine xmlns:a14="http://schemas.microsoft.com/office/drawing/2010/main" xmlns="" w="9525">
+                <a14:hiddenLine xmlns="" xmlns:a14="http://schemas.microsoft.com/office/drawing/2010/main" w="9525">
                   <a:solidFill>
                     <a:srgbClr val="000000"/>
                   </a:solidFill>
@@ -3208,7 +3214,7 @@
             </a:ln>
             <a:extLst>
               <a:ext uri="{91240B29-F687-4f45-9708-019B960494DF}">
-                <a14:hiddenLine xmlns:a14="http://schemas.microsoft.com/office/drawing/2010/main" xmlns="" w="9525">
+                <a14:hiddenLine xmlns="" xmlns:a14="http://schemas.microsoft.com/office/drawing/2010/main" w="9525">
                   <a:solidFill>
                     <a:srgbClr val="000000"/>
                   </a:solidFill>
@@ -3242,7 +3248,7 @@
             </a:ln>
             <a:extLst>
               <a:ext uri="{91240B29-F687-4f45-9708-019B960494DF}">
-                <a14:hiddenLine xmlns:a14="http://schemas.microsoft.com/office/drawing/2010/main" xmlns="" w="9525">
+                <a14:hiddenLine xmlns="" xmlns:a14="http://schemas.microsoft.com/office/drawing/2010/main" w="9525">
                   <a:solidFill>
                     <a:srgbClr val="000000"/>
                   </a:solidFill>
@@ -3307,7 +3313,7 @@
             </a:ln>
             <a:extLst>
               <a:ext uri="{91240B29-F687-4f45-9708-019B960494DF}">
-                <a14:hiddenLine xmlns:a14="http://schemas.microsoft.com/office/drawing/2010/main" xmlns="" w="9525">
+                <a14:hiddenLine xmlns="" xmlns:a14="http://schemas.microsoft.com/office/drawing/2010/main" w="9525">
                   <a:solidFill>
                     <a:srgbClr val="000000"/>
                   </a:solidFill>
@@ -3397,7 +3403,7 @@
             </a:ln>
             <a:extLst>
               <a:ext uri="{91240B29-F687-4f45-9708-019B960494DF}">
-                <a14:hiddenLine xmlns:a14="http://schemas.microsoft.com/office/drawing/2010/main" xmlns="" w="9525">
+                <a14:hiddenLine xmlns="" xmlns:a14="http://schemas.microsoft.com/office/drawing/2010/main" w="9525">
                   <a:solidFill>
                     <a:srgbClr val="000000"/>
                   </a:solidFill>
@@ -3459,7 +3465,7 @@
             </a:ln>
             <a:extLst>
               <a:ext uri="{91240B29-F687-4f45-9708-019B960494DF}">
-                <a14:hiddenLine xmlns:a14="http://schemas.microsoft.com/office/drawing/2010/main" xmlns="" w="9525">
+                <a14:hiddenLine xmlns="" xmlns:a14="http://schemas.microsoft.com/office/drawing/2010/main" w="9525">
                   <a:solidFill>
                     <a:srgbClr val="000000"/>
                   </a:solidFill>
@@ -3549,7 +3555,7 @@
             </a:ln>
             <a:extLst>
               <a:ext uri="{91240B29-F687-4f45-9708-019B960494DF}">
-                <a14:hiddenLine xmlns:a14="http://schemas.microsoft.com/office/drawing/2010/main" xmlns="" w="9525">
+                <a14:hiddenLine xmlns="" xmlns:a14="http://schemas.microsoft.com/office/drawing/2010/main" w="9525">
                   <a:solidFill>
                     <a:srgbClr val="000000"/>
                   </a:solidFill>
@@ -3639,7 +3645,7 @@
             </a:ln>
             <a:extLst>
               <a:ext uri="{91240B29-F687-4f45-9708-019B960494DF}">
-                <a14:hiddenLine xmlns:a14="http://schemas.microsoft.com/office/drawing/2010/main" xmlns="" w="9525">
+                <a14:hiddenLine xmlns="" xmlns:a14="http://schemas.microsoft.com/office/drawing/2010/main" w="9525">
                   <a:solidFill>
                     <a:srgbClr val="000000"/>
                   </a:solidFill>
@@ -3704,7 +3710,7 @@
             </a:ln>
             <a:extLst>
               <a:ext uri="{91240B29-F687-4f45-9708-019B960494DF}">
-                <a14:hiddenLine xmlns:a14="http://schemas.microsoft.com/office/drawing/2010/main" xmlns="" w="9525">
+                <a14:hiddenLine xmlns="" xmlns:a14="http://schemas.microsoft.com/office/drawing/2010/main" w="9525">
                   <a:solidFill>
                     <a:srgbClr val="000000"/>
                   </a:solidFill>
@@ -3766,7 +3772,7 @@
             </a:ln>
             <a:extLst>
               <a:ext uri="{91240B29-F687-4f45-9708-019B960494DF}">
-                <a14:hiddenLine xmlns:a14="http://schemas.microsoft.com/office/drawing/2010/main" xmlns="" w="9525">
+                <a14:hiddenLine xmlns="" xmlns:a14="http://schemas.microsoft.com/office/drawing/2010/main" w="9525">
                   <a:solidFill>
                     <a:srgbClr val="000000"/>
                   </a:solidFill>
@@ -3856,7 +3862,7 @@
             </a:ln>
             <a:extLst>
               <a:ext uri="{91240B29-F687-4f45-9708-019B960494DF}">
-                <a14:hiddenLine xmlns:a14="http://schemas.microsoft.com/office/drawing/2010/main" xmlns="" w="9525">
+                <a14:hiddenLine xmlns="" xmlns:a14="http://schemas.microsoft.com/office/drawing/2010/main" w="9525">
                   <a:solidFill>
                     <a:srgbClr val="000000"/>
                   </a:solidFill>
@@ -3946,7 +3952,7 @@
             </a:ln>
             <a:extLst>
               <a:ext uri="{91240B29-F687-4f45-9708-019B960494DF}">
-                <a14:hiddenLine xmlns:a14="http://schemas.microsoft.com/office/drawing/2010/main" xmlns="" w="9525">
+                <a14:hiddenLine xmlns="" xmlns:a14="http://schemas.microsoft.com/office/drawing/2010/main" w="9525">
                   <a:solidFill>
                     <a:srgbClr val="000000"/>
                   </a:solidFill>
@@ -4008,7 +4014,7 @@
             </a:ln>
             <a:extLst>
               <a:ext uri="{91240B29-F687-4f45-9708-019B960494DF}">
-                <a14:hiddenLine xmlns:a14="http://schemas.microsoft.com/office/drawing/2010/main" xmlns="" w="9525">
+                <a14:hiddenLine xmlns="" xmlns:a14="http://schemas.microsoft.com/office/drawing/2010/main" w="9525">
                   <a:solidFill>
                     <a:srgbClr val="000000"/>
                   </a:solidFill>
@@ -4128,7 +4134,7 @@
             </a:ln>
             <a:extLst>
               <a:ext uri="{91240B29-F687-4f45-9708-019B960494DF}">
-                <a14:hiddenLine xmlns:a14="http://schemas.microsoft.com/office/drawing/2010/main" xmlns="" w="9525">
+                <a14:hiddenLine xmlns="" xmlns:a14="http://schemas.microsoft.com/office/drawing/2010/main" w="9525">
                   <a:solidFill>
                     <a:srgbClr val="000000"/>
                   </a:solidFill>
@@ -4196,7 +4202,7 @@
             </a:ln>
             <a:extLst>
               <a:ext uri="{91240B29-F687-4f45-9708-019B960494DF}">
-                <a14:hiddenLine xmlns:a14="http://schemas.microsoft.com/office/drawing/2010/main" xmlns="" w="9525">
+                <a14:hiddenLine xmlns="" xmlns:a14="http://schemas.microsoft.com/office/drawing/2010/main" w="9525">
                   <a:solidFill>
                     <a:srgbClr val="000000"/>
                   </a:solidFill>
@@ -4286,7 +4292,7 @@
             </a:ln>
             <a:extLst>
               <a:ext uri="{91240B29-F687-4f45-9708-019B960494DF}">
-                <a14:hiddenLine xmlns:a14="http://schemas.microsoft.com/office/drawing/2010/main" xmlns="" w="9525">
+                <a14:hiddenLine xmlns="" xmlns:a14="http://schemas.microsoft.com/office/drawing/2010/main" w="9525">
                   <a:solidFill>
                     <a:srgbClr val="000000"/>
                   </a:solidFill>
@@ -4426,7 +4432,7 @@
           <a:p>
             <a:fld id="{48A87A34-81AB-432B-8DAE-1953F412C126}" type="datetimeFigureOut">
               <a:rPr lang="en-US" dirty="0"/>
-              <a:t>05-May-17</a:t>
+              <a:t>5/13/2017</a:t>
             </a:fld>
             <a:endParaRPr lang="en-US" dirty="0"/>
           </a:p>
@@ -4688,7 +4694,7 @@
           <a:p>
             <a:fld id="{48A87A34-81AB-432B-8DAE-1953F412C126}" type="datetimeFigureOut">
               <a:rPr lang="en-US" dirty="0"/>
-              <a:t>05-May-17</a:t>
+              <a:t>5/13/2017</a:t>
             </a:fld>
             <a:endParaRPr lang="en-US" dirty="0"/>
           </a:p>
@@ -4879,7 +4885,7 @@
           <a:p>
             <a:fld id="{48A87A34-81AB-432B-8DAE-1953F412C126}" type="datetimeFigureOut">
               <a:rPr lang="en-US" dirty="0"/>
-              <a:t>05-May-17</a:t>
+              <a:t>5/13/2017</a:t>
             </a:fld>
             <a:endParaRPr lang="en-US" dirty="0"/>
           </a:p>
@@ -5137,7 +5143,7 @@
           <a:p>
             <a:fld id="{48A87A34-81AB-432B-8DAE-1953F412C126}" type="datetimeFigureOut">
               <a:rPr lang="en-US" dirty="0"/>
-              <a:t>05-May-17</a:t>
+              <a:t>5/13/2017</a:t>
             </a:fld>
             <a:endParaRPr lang="en-US" dirty="0"/>
           </a:p>
@@ -5566,7 +5572,7 @@
           <a:p>
             <a:fld id="{48A87A34-81AB-432B-8DAE-1953F412C126}" type="datetimeFigureOut">
               <a:rPr lang="en-US" dirty="0"/>
-              <a:t>05-May-17</a:t>
+              <a:t>5/13/2017</a:t>
             </a:fld>
             <a:endParaRPr lang="en-US" dirty="0"/>
           </a:p>
@@ -6107,7 +6113,7 @@
           <a:p>
             <a:fld id="{48A87A34-81AB-432B-8DAE-1953F412C126}" type="datetimeFigureOut">
               <a:rPr lang="en-US" dirty="0"/>
-              <a:t>05-May-17</a:t>
+              <a:t>5/13/2017</a:t>
             </a:fld>
             <a:endParaRPr lang="en-US" dirty="0"/>
           </a:p>
@@ -6822,7 +6828,7 @@
           <a:p>
             <a:fld id="{48A87A34-81AB-432B-8DAE-1953F412C126}" type="datetimeFigureOut">
               <a:rPr lang="en-US" dirty="0"/>
-              <a:t>05-May-17</a:t>
+              <a:t>5/13/2017</a:t>
             </a:fld>
             <a:endParaRPr lang="en-US" dirty="0"/>
           </a:p>
@@ -6987,7 +6993,7 @@
           <a:p>
             <a:fld id="{48A87A34-81AB-432B-8DAE-1953F412C126}" type="datetimeFigureOut">
               <a:rPr lang="en-US" dirty="0"/>
-              <a:t>05-May-17</a:t>
+              <a:t>5/13/2017</a:t>
             </a:fld>
             <a:endParaRPr lang="en-US" dirty="0"/>
           </a:p>
@@ -7162,7 +7168,7 @@
           <a:p>
             <a:fld id="{48A87A34-81AB-432B-8DAE-1953F412C126}" type="datetimeFigureOut">
               <a:rPr lang="en-US" dirty="0"/>
-              <a:t>05-May-17</a:t>
+              <a:t>5/13/2017</a:t>
             </a:fld>
             <a:endParaRPr lang="en-US" dirty="0"/>
           </a:p>
@@ -7327,7 +7333,7 @@
           <a:p>
             <a:fld id="{48A87A34-81AB-432B-8DAE-1953F412C126}" type="datetimeFigureOut">
               <a:rPr lang="en-US" dirty="0"/>
-              <a:t>05-May-17</a:t>
+              <a:t>5/13/2017</a:t>
             </a:fld>
             <a:endParaRPr lang="en-US" dirty="0"/>
           </a:p>
@@ -7572,7 +7578,7 @@
           <a:p>
             <a:fld id="{48A87A34-81AB-432B-8DAE-1953F412C126}" type="datetimeFigureOut">
               <a:rPr lang="en-US" dirty="0"/>
-              <a:t>05-May-17</a:t>
+              <a:t>5/13/2017</a:t>
             </a:fld>
             <a:endParaRPr lang="en-US" dirty="0"/>
           </a:p>
@@ -7799,7 +7805,7 @@
           <a:p>
             <a:fld id="{48A87A34-81AB-432B-8DAE-1953F412C126}" type="datetimeFigureOut">
               <a:rPr lang="en-US" dirty="0"/>
-              <a:t>05-May-17</a:t>
+              <a:t>5/13/2017</a:t>
             </a:fld>
             <a:endParaRPr lang="en-US" dirty="0"/>
           </a:p>
@@ -8175,7 +8181,7 @@
           <a:p>
             <a:fld id="{48A87A34-81AB-432B-8DAE-1953F412C126}" type="datetimeFigureOut">
               <a:rPr lang="en-US" dirty="0"/>
-              <a:t>05-May-17</a:t>
+              <a:t>5/13/2017</a:t>
             </a:fld>
             <a:endParaRPr lang="en-US" dirty="0"/>
           </a:p>
@@ -8288,7 +8294,7 @@
           <a:p>
             <a:fld id="{48A87A34-81AB-432B-8DAE-1953F412C126}" type="datetimeFigureOut">
               <a:rPr lang="en-US" dirty="0"/>
-              <a:t>05-May-17</a:t>
+              <a:t>5/13/2017</a:t>
             </a:fld>
             <a:endParaRPr lang="en-US" dirty="0"/>
           </a:p>
@@ -8378,7 +8384,7 @@
           <a:p>
             <a:fld id="{48A87A34-81AB-432B-8DAE-1953F412C126}" type="datetimeFigureOut">
               <a:rPr lang="en-US" dirty="0"/>
-              <a:t>05-May-17</a:t>
+              <a:t>5/13/2017</a:t>
             </a:fld>
             <a:endParaRPr lang="en-US" dirty="0"/>
           </a:p>
@@ -8622,7 +8628,7 @@
           <a:p>
             <a:fld id="{48A87A34-81AB-432B-8DAE-1953F412C126}" type="datetimeFigureOut">
               <a:rPr lang="en-US" dirty="0"/>
-              <a:t>05-May-17</a:t>
+              <a:t>5/13/2017</a:t>
             </a:fld>
             <a:endParaRPr lang="en-US" dirty="0"/>
           </a:p>
@@ -8897,7 +8903,7 @@
           <a:p>
             <a:fld id="{48A87A34-81AB-432B-8DAE-1953F412C126}" type="datetimeFigureOut">
               <a:rPr lang="en-US" dirty="0"/>
-              <a:t>05-May-17</a:t>
+              <a:t>5/13/2017</a:t>
             </a:fld>
             <a:endParaRPr lang="en-US" dirty="0"/>
           </a:p>
@@ -9015,7 +9021,7 @@
           <a:noFill/>
           <a:extLst>
             <a:ext uri="{909E8E84-426E-40dd-AFC4-6F175D3DCCD1}">
-              <a14:hiddenFill xmlns:a14="http://schemas.microsoft.com/office/drawing/2010/main" xmlns="">
+              <a14:hiddenFill xmlns="" xmlns:a14="http://schemas.microsoft.com/office/drawing/2010/main">
                 <a:solidFill>
                   <a:srgbClr val="FFFFFF"/>
                 </a:solidFill>
@@ -9089,7 +9095,7 @@
               </a:ln>
               <a:extLst>
                 <a:ext uri="{91240B29-F687-4f45-9708-019B960494DF}">
-                  <a14:hiddenLine xmlns:a14="http://schemas.microsoft.com/office/drawing/2010/main" xmlns="" w="9525">
+                  <a14:hiddenLine xmlns="" xmlns:a14="http://schemas.microsoft.com/office/drawing/2010/main" w="9525">
                     <a:solidFill>
                       <a:srgbClr val="000000"/>
                     </a:solidFill>
@@ -9179,7 +9185,7 @@
               </a:ln>
               <a:extLst>
                 <a:ext uri="{91240B29-F687-4f45-9708-019B960494DF}">
-                  <a14:hiddenLine xmlns:a14="http://schemas.microsoft.com/office/drawing/2010/main" xmlns="" w="9525">
+                  <a14:hiddenLine xmlns="" xmlns:a14="http://schemas.microsoft.com/office/drawing/2010/main" w="9525">
                     <a:solidFill>
                       <a:srgbClr val="000000"/>
                     </a:solidFill>
@@ -9269,7 +9275,7 @@
               </a:ln>
               <a:extLst>
                 <a:ext uri="{91240B29-F687-4f45-9708-019B960494DF}">
-                  <a14:hiddenLine xmlns:a14="http://schemas.microsoft.com/office/drawing/2010/main" xmlns="" w="9525">
+                  <a14:hiddenLine xmlns="" xmlns:a14="http://schemas.microsoft.com/office/drawing/2010/main" w="9525">
                     <a:solidFill>
                       <a:srgbClr val="000000"/>
                     </a:solidFill>
@@ -9331,7 +9337,7 @@
               </a:ln>
               <a:extLst>
                 <a:ext uri="{91240B29-F687-4f45-9708-019B960494DF}">
-                  <a14:hiddenLine xmlns:a14="http://schemas.microsoft.com/office/drawing/2010/main" xmlns="" w="9525">
+                  <a14:hiddenLine xmlns="" xmlns:a14="http://schemas.microsoft.com/office/drawing/2010/main" w="9525">
                     <a:solidFill>
                       <a:srgbClr val="000000"/>
                     </a:solidFill>
@@ -9421,7 +9427,7 @@
               </a:ln>
               <a:extLst>
                 <a:ext uri="{91240B29-F687-4f45-9708-019B960494DF}">
-                  <a14:hiddenLine xmlns:a14="http://schemas.microsoft.com/office/drawing/2010/main" xmlns="" w="9525">
+                  <a14:hiddenLine xmlns="" xmlns:a14="http://schemas.microsoft.com/office/drawing/2010/main" w="9525">
                     <a:solidFill>
                       <a:srgbClr val="000000"/>
                     </a:solidFill>
@@ -9483,7 +9489,7 @@
               </a:ln>
               <a:extLst>
                 <a:ext uri="{91240B29-F687-4f45-9708-019B960494DF}">
-                  <a14:hiddenLine xmlns:a14="http://schemas.microsoft.com/office/drawing/2010/main" xmlns="" w="9525">
+                  <a14:hiddenLine xmlns="" xmlns:a14="http://schemas.microsoft.com/office/drawing/2010/main" w="9525">
                     <a:solidFill>
                       <a:srgbClr val="000000"/>
                     </a:solidFill>
@@ -9545,7 +9551,7 @@
               </a:ln>
               <a:extLst>
                 <a:ext uri="{91240B29-F687-4f45-9708-019B960494DF}">
-                  <a14:hiddenLine xmlns:a14="http://schemas.microsoft.com/office/drawing/2010/main" xmlns="" w="9525">
+                  <a14:hiddenLine xmlns="" xmlns:a14="http://schemas.microsoft.com/office/drawing/2010/main" w="9525">
                     <a:solidFill>
                       <a:srgbClr val="000000"/>
                     </a:solidFill>
@@ -9635,7 +9641,7 @@
               </a:ln>
               <a:extLst>
                 <a:ext uri="{91240B29-F687-4f45-9708-019B960494DF}">
-                  <a14:hiddenLine xmlns:a14="http://schemas.microsoft.com/office/drawing/2010/main" xmlns="" w="9525">
+                  <a14:hiddenLine xmlns="" xmlns:a14="http://schemas.microsoft.com/office/drawing/2010/main" w="9525">
                     <a:solidFill>
                       <a:srgbClr val="000000"/>
                     </a:solidFill>
@@ -9725,7 +9731,7 @@
               </a:ln>
               <a:extLst>
                 <a:ext uri="{91240B29-F687-4f45-9708-019B960494DF}">
-                  <a14:hiddenLine xmlns:a14="http://schemas.microsoft.com/office/drawing/2010/main" xmlns="" w="9525">
+                  <a14:hiddenLine xmlns="" xmlns:a14="http://schemas.microsoft.com/office/drawing/2010/main" w="9525">
                     <a:solidFill>
                       <a:srgbClr val="000000"/>
                     </a:solidFill>
@@ -9787,7 +9793,7 @@
               </a:ln>
               <a:extLst>
                 <a:ext uri="{91240B29-F687-4f45-9708-019B960494DF}">
-                  <a14:hiddenLine xmlns:a14="http://schemas.microsoft.com/office/drawing/2010/main" xmlns="" w="9525">
+                  <a14:hiddenLine xmlns="" xmlns:a14="http://schemas.microsoft.com/office/drawing/2010/main" w="9525">
                     <a:solidFill>
                       <a:srgbClr val="000000"/>
                     </a:solidFill>
@@ -9897,7 +9903,7 @@
               </a:ln>
               <a:extLst>
                 <a:ext uri="{91240B29-F687-4f45-9708-019B960494DF}">
-                  <a14:hiddenLine xmlns:a14="http://schemas.microsoft.com/office/drawing/2010/main" xmlns="" w="9525">
+                  <a14:hiddenLine xmlns="" xmlns:a14="http://schemas.microsoft.com/office/drawing/2010/main" w="9525">
                     <a:solidFill>
                       <a:srgbClr val="000000"/>
                     </a:solidFill>
@@ -9981,7 +9987,7 @@
               </a:ln>
               <a:extLst>
                 <a:ext uri="{91240B29-F687-4f45-9708-019B960494DF}">
-                  <a14:hiddenLine xmlns:a14="http://schemas.microsoft.com/office/drawing/2010/main" xmlns="" w="9525">
+                  <a14:hiddenLine xmlns="" xmlns:a14="http://schemas.microsoft.com/office/drawing/2010/main" w="9525">
                     <a:solidFill>
                       <a:srgbClr val="000000"/>
                     </a:solidFill>
@@ -10043,7 +10049,7 @@
               </a:ln>
               <a:extLst>
                 <a:ext uri="{91240B29-F687-4f45-9708-019B960494DF}">
-                  <a14:hiddenLine xmlns:a14="http://schemas.microsoft.com/office/drawing/2010/main" xmlns="" w="9525">
+                  <a14:hiddenLine xmlns="" xmlns:a14="http://schemas.microsoft.com/office/drawing/2010/main" w="9525">
                     <a:solidFill>
                       <a:srgbClr val="000000"/>
                     </a:solidFill>
@@ -10105,7 +10111,7 @@
               </a:ln>
               <a:extLst>
                 <a:ext uri="{91240B29-F687-4f45-9708-019B960494DF}">
-                  <a14:hiddenLine xmlns:a14="http://schemas.microsoft.com/office/drawing/2010/main" xmlns="" w="9525">
+                  <a14:hiddenLine xmlns="" xmlns:a14="http://schemas.microsoft.com/office/drawing/2010/main" w="9525">
                     <a:solidFill>
                       <a:srgbClr val="000000"/>
                     </a:solidFill>
@@ -10195,7 +10201,7 @@
               </a:ln>
               <a:extLst>
                 <a:ext uri="{91240B29-F687-4f45-9708-019B960494DF}">
-                  <a14:hiddenLine xmlns:a14="http://schemas.microsoft.com/office/drawing/2010/main" xmlns="" w="9525">
+                  <a14:hiddenLine xmlns="" xmlns:a14="http://schemas.microsoft.com/office/drawing/2010/main" w="9525">
                     <a:solidFill>
                       <a:srgbClr val="000000"/>
                     </a:solidFill>
@@ -10229,7 +10235,7 @@
               </a:ln>
               <a:extLst>
                 <a:ext uri="{91240B29-F687-4f45-9708-019B960494DF}">
-                  <a14:hiddenLine xmlns:a14="http://schemas.microsoft.com/office/drawing/2010/main" xmlns="" w="9525">
+                  <a14:hiddenLine xmlns="" xmlns:a14="http://schemas.microsoft.com/office/drawing/2010/main" w="9525">
                     <a:solidFill>
                       <a:srgbClr val="000000"/>
                     </a:solidFill>
@@ -10294,7 +10300,7 @@
               </a:ln>
               <a:extLst>
                 <a:ext uri="{91240B29-F687-4f45-9708-019B960494DF}">
-                  <a14:hiddenLine xmlns:a14="http://schemas.microsoft.com/office/drawing/2010/main" xmlns="" w="9525">
+                  <a14:hiddenLine xmlns="" xmlns:a14="http://schemas.microsoft.com/office/drawing/2010/main" w="9525">
                     <a:solidFill>
                       <a:srgbClr val="000000"/>
                     </a:solidFill>
@@ -10384,7 +10390,7 @@
               </a:ln>
               <a:extLst>
                 <a:ext uri="{91240B29-F687-4f45-9708-019B960494DF}">
-                  <a14:hiddenLine xmlns:a14="http://schemas.microsoft.com/office/drawing/2010/main" xmlns="" w="9525">
+                  <a14:hiddenLine xmlns="" xmlns:a14="http://schemas.microsoft.com/office/drawing/2010/main" w="9525">
                     <a:solidFill>
                       <a:srgbClr val="000000"/>
                     </a:solidFill>
@@ -10446,7 +10452,7 @@
               </a:ln>
               <a:extLst>
                 <a:ext uri="{91240B29-F687-4f45-9708-019B960494DF}">
-                  <a14:hiddenLine xmlns:a14="http://schemas.microsoft.com/office/drawing/2010/main" xmlns="" w="9525">
+                  <a14:hiddenLine xmlns="" xmlns:a14="http://schemas.microsoft.com/office/drawing/2010/main" w="9525">
                     <a:solidFill>
                       <a:srgbClr val="000000"/>
                     </a:solidFill>
@@ -10536,7 +10542,7 @@
               </a:ln>
               <a:extLst>
                 <a:ext uri="{91240B29-F687-4f45-9708-019B960494DF}">
-                  <a14:hiddenLine xmlns:a14="http://schemas.microsoft.com/office/drawing/2010/main" xmlns="" w="9525">
+                  <a14:hiddenLine xmlns="" xmlns:a14="http://schemas.microsoft.com/office/drawing/2010/main" w="9525">
                     <a:solidFill>
                       <a:srgbClr val="000000"/>
                     </a:solidFill>
@@ -10601,7 +10607,7 @@
               </a:ln>
               <a:extLst>
                 <a:ext uri="{91240B29-F687-4f45-9708-019B960494DF}">
-                  <a14:hiddenLine xmlns:a14="http://schemas.microsoft.com/office/drawing/2010/main" xmlns="" w="9525">
+                  <a14:hiddenLine xmlns="" xmlns:a14="http://schemas.microsoft.com/office/drawing/2010/main" w="9525">
                     <a:solidFill>
                       <a:srgbClr val="000000"/>
                     </a:solidFill>
@@ -10663,7 +10669,7 @@
               </a:ln>
               <a:extLst>
                 <a:ext uri="{91240B29-F687-4f45-9708-019B960494DF}">
-                  <a14:hiddenLine xmlns:a14="http://schemas.microsoft.com/office/drawing/2010/main" xmlns="" w="9525">
+                  <a14:hiddenLine xmlns="" xmlns:a14="http://schemas.microsoft.com/office/drawing/2010/main" w="9525">
                     <a:solidFill>
                       <a:srgbClr val="000000"/>
                     </a:solidFill>
@@ -10753,7 +10759,7 @@
               </a:ln>
               <a:extLst>
                 <a:ext uri="{91240B29-F687-4f45-9708-019B960494DF}">
-                  <a14:hiddenLine xmlns:a14="http://schemas.microsoft.com/office/drawing/2010/main" xmlns="" w="9525">
+                  <a14:hiddenLine xmlns="" xmlns:a14="http://schemas.microsoft.com/office/drawing/2010/main" w="9525">
                     <a:solidFill>
                       <a:srgbClr val="000000"/>
                     </a:solidFill>
@@ -10843,7 +10849,7 @@
               </a:ln>
               <a:extLst>
                 <a:ext uri="{91240B29-F687-4f45-9708-019B960494DF}">
-                  <a14:hiddenLine xmlns:a14="http://schemas.microsoft.com/office/drawing/2010/main" xmlns="" w="9525">
+                  <a14:hiddenLine xmlns="" xmlns:a14="http://schemas.microsoft.com/office/drawing/2010/main" w="9525">
                     <a:solidFill>
                       <a:srgbClr val="000000"/>
                     </a:solidFill>
@@ -10908,7 +10914,7 @@
               </a:ln>
               <a:extLst>
                 <a:ext uri="{91240B29-F687-4f45-9708-019B960494DF}">
-                  <a14:hiddenLine xmlns:a14="http://schemas.microsoft.com/office/drawing/2010/main" xmlns="" w="9525">
+                  <a14:hiddenLine xmlns="" xmlns:a14="http://schemas.microsoft.com/office/drawing/2010/main" w="9525">
                     <a:solidFill>
                       <a:srgbClr val="000000"/>
                     </a:solidFill>
@@ -11028,7 +11034,7 @@
               </a:ln>
               <a:extLst>
                 <a:ext uri="{91240B29-F687-4f45-9708-019B960494DF}">
-                  <a14:hiddenLine xmlns:a14="http://schemas.microsoft.com/office/drawing/2010/main" xmlns="" w="9525">
+                  <a14:hiddenLine xmlns="" xmlns:a14="http://schemas.microsoft.com/office/drawing/2010/main" w="9525">
                     <a:solidFill>
                       <a:srgbClr val="000000"/>
                     </a:solidFill>
@@ -11109,7 +11115,7 @@
               </a:ln>
               <a:extLst>
                 <a:ext uri="{91240B29-F687-4f45-9708-019B960494DF}">
-                  <a14:hiddenLine xmlns:a14="http://schemas.microsoft.com/office/drawing/2010/main" xmlns="" w="9525">
+                  <a14:hiddenLine xmlns="" xmlns:a14="http://schemas.microsoft.com/office/drawing/2010/main" w="9525">
                     <a:solidFill>
                       <a:srgbClr val="000000"/>
                     </a:solidFill>
@@ -11224,7 +11230,7 @@
               </a:ln>
               <a:extLst>
                 <a:ext uri="{91240B29-F687-4f45-9708-019B960494DF}">
-                  <a14:hiddenLine xmlns:a14="http://schemas.microsoft.com/office/drawing/2010/main" xmlns="" w="9525">
+                  <a14:hiddenLine xmlns="" xmlns:a14="http://schemas.microsoft.com/office/drawing/2010/main" w="9525">
                     <a:solidFill>
                       <a:srgbClr val="000000"/>
                     </a:solidFill>
@@ -11314,7 +11320,7 @@
               </a:ln>
               <a:extLst>
                 <a:ext uri="{91240B29-F687-4f45-9708-019B960494DF}">
-                  <a14:hiddenLine xmlns:a14="http://schemas.microsoft.com/office/drawing/2010/main" xmlns="" w="9525">
+                  <a14:hiddenLine xmlns="" xmlns:a14="http://schemas.microsoft.com/office/drawing/2010/main" w="9525">
                     <a:solidFill>
                       <a:srgbClr val="000000"/>
                     </a:solidFill>
@@ -11379,7 +11385,7 @@
               </a:ln>
               <a:extLst>
                 <a:ext uri="{91240B29-F687-4f45-9708-019B960494DF}">
-                  <a14:hiddenLine xmlns:a14="http://schemas.microsoft.com/office/drawing/2010/main" xmlns="" w="9525">
+                  <a14:hiddenLine xmlns="" xmlns:a14="http://schemas.microsoft.com/office/drawing/2010/main" w="9525">
                     <a:solidFill>
                       <a:srgbClr val="000000"/>
                     </a:solidFill>
@@ -11469,7 +11475,7 @@
               </a:ln>
               <a:extLst>
                 <a:ext uri="{91240B29-F687-4f45-9708-019B960494DF}">
-                  <a14:hiddenLine xmlns:a14="http://schemas.microsoft.com/office/drawing/2010/main" xmlns="" w="9525">
+                  <a14:hiddenLine xmlns="" xmlns:a14="http://schemas.microsoft.com/office/drawing/2010/main" w="9525">
                     <a:solidFill>
                       <a:srgbClr val="000000"/>
                     </a:solidFill>
@@ -11537,7 +11543,7 @@
               </a:ln>
               <a:extLst>
                 <a:ext uri="{91240B29-F687-4f45-9708-019B960494DF}">
-                  <a14:hiddenLine xmlns:a14="http://schemas.microsoft.com/office/drawing/2010/main" xmlns="" w="9525">
+                  <a14:hiddenLine xmlns="" xmlns:a14="http://schemas.microsoft.com/office/drawing/2010/main" w="9525">
                     <a:solidFill>
                       <a:srgbClr val="000000"/>
                     </a:solidFill>
@@ -11627,7 +11633,7 @@
               </a:ln>
               <a:extLst>
                 <a:ext uri="{91240B29-F687-4f45-9708-019B960494DF}">
-                  <a14:hiddenLine xmlns:a14="http://schemas.microsoft.com/office/drawing/2010/main" xmlns="" w="9525">
+                  <a14:hiddenLine xmlns="" xmlns:a14="http://schemas.microsoft.com/office/drawing/2010/main" w="9525">
                     <a:solidFill>
                       <a:srgbClr val="000000"/>
                     </a:solidFill>
@@ -11695,7 +11701,7 @@
               </a:ln>
               <a:extLst>
                 <a:ext uri="{91240B29-F687-4f45-9708-019B960494DF}">
-                  <a14:hiddenLine xmlns:a14="http://schemas.microsoft.com/office/drawing/2010/main" xmlns="" w="9525">
+                  <a14:hiddenLine xmlns="" xmlns:a14="http://schemas.microsoft.com/office/drawing/2010/main" w="9525">
                     <a:solidFill>
                       <a:srgbClr val="000000"/>
                     </a:solidFill>
@@ -11785,7 +11791,7 @@
               </a:ln>
               <a:extLst>
                 <a:ext uri="{91240B29-F687-4f45-9708-019B960494DF}">
-                  <a14:hiddenLine xmlns:a14="http://schemas.microsoft.com/office/drawing/2010/main" xmlns="" w="9525">
+                  <a14:hiddenLine xmlns="" xmlns:a14="http://schemas.microsoft.com/office/drawing/2010/main" w="9525">
                     <a:solidFill>
                       <a:srgbClr val="000000"/>
                     </a:solidFill>
@@ -11819,7 +11825,7 @@
               </a:ln>
               <a:extLst>
                 <a:ext uri="{91240B29-F687-4f45-9708-019B960494DF}">
-                  <a14:hiddenLine xmlns:a14="http://schemas.microsoft.com/office/drawing/2010/main" xmlns="" w="9525">
+                  <a14:hiddenLine xmlns="" xmlns:a14="http://schemas.microsoft.com/office/drawing/2010/main" w="9525">
                     <a:solidFill>
                       <a:srgbClr val="000000"/>
                     </a:solidFill>
@@ -11960,7 +11966,7 @@
             <a:fld id="{48A87A34-81AB-432B-8DAE-1953F412C126}" type="datetimeFigureOut">
               <a:rPr lang="en-US" dirty="0"/>
               <a:pPr/>
-              <a:t>05-May-17</a:t>
+              <a:t>5/13/2017</a:t>
             </a:fld>
             <a:endParaRPr lang="en-US" dirty="0"/>
           </a:p>
@@ -12562,36 +12568,7 @@
                 <a:ea typeface="Tahoma" panose="020B0604030504040204" pitchFamily="34" charset="0"/>
                 <a:cs typeface="Times New Roman" panose="02020603050405020304" pitchFamily="18" charset="0"/>
               </a:rPr>
-              <a:t>BÁO </a:t>
-            </a:r>
-            <a:r>
-              <a:rPr lang="en-US" sz="2200" noProof="1">
-                <a:ln w="12700">
-                  <a:solidFill>
-                    <a:schemeClr val="tx2">
-                      <a:satMod val="155000"/>
-                    </a:schemeClr>
-                  </a:solidFill>
-                  <a:prstDash val="solid"/>
-                </a:ln>
-                <a:solidFill>
-                  <a:schemeClr val="accent6">
-                    <a:lumMod val="40000"/>
-                    <a:lumOff val="60000"/>
-                  </a:schemeClr>
-                </a:solidFill>
-                <a:effectLst>
-                  <a:outerShdw blurRad="41275" dist="20320" dir="1800000" algn="tl" rotWithShape="0">
-                    <a:srgbClr val="000000">
-                      <a:alpha val="40000"/>
-                    </a:srgbClr>
-                  </a:outerShdw>
-                </a:effectLst>
-                <a:latin typeface="Times New Roman" panose="02020603050405020304" pitchFamily="18" charset="0"/>
-                <a:ea typeface="Tahoma" panose="020B0604030504040204" pitchFamily="34" charset="0"/>
-                <a:cs typeface="Times New Roman" panose="02020603050405020304" pitchFamily="18" charset="0"/>
-              </a:rPr>
-              <a:t>CÁO </a:t>
+              <a:t>BÁO CÁO </a:t>
             </a:r>
             <a:r>
               <a:rPr lang="en-US" sz="2200" noProof="1" smtClean="0">
@@ -14197,17 +14174,7 @@
                 <a:latin typeface="Times New Roman" pitchFamily="18" charset="0"/>
                 <a:cs typeface="Times New Roman" pitchFamily="18" charset="0"/>
               </a:rPr>
-              <a:t>Tìm </a:t>
-            </a:r>
-            <a:r>
-              <a:rPr lang="vi-VN" sz="2800" kern="0">
-                <a:solidFill>
-                  <a:schemeClr val="tx1"/>
-                </a:solidFill>
-                <a:latin typeface="Times New Roman" pitchFamily="18" charset="0"/>
-                <a:cs typeface="Times New Roman" pitchFamily="18" charset="0"/>
-              </a:rPr>
-              <a:t>hiểu </a:t>
+              <a:t>Tìm hiểu </a:t>
             </a:r>
             <a:r>
               <a:rPr lang="en-US" sz="2800" kern="0">
@@ -14274,47 +14241,27 @@
                 <a:latin typeface="Times New Roman" pitchFamily="18" charset="0"/>
                 <a:cs typeface="Times New Roman" pitchFamily="18" charset="0"/>
               </a:rPr>
-              <a:t>Xây dựng </a:t>
-            </a:r>
-            <a:r>
-              <a:rPr lang="vi-VN" sz="2800" kern="0">
+              <a:t>Xây dựng các </a:t>
+            </a:r>
+            <a:r>
+              <a:rPr lang="vi-VN" sz="2800" kern="0" smtClean="0">
                 <a:solidFill>
                   <a:schemeClr val="tx1"/>
                 </a:solidFill>
                 <a:latin typeface="Times New Roman" pitchFamily="18" charset="0"/>
                 <a:cs typeface="Times New Roman" pitchFamily="18" charset="0"/>
               </a:rPr>
-              <a:t>các </a:t>
-            </a:r>
-            <a:r>
-              <a:rPr lang="vi-VN" sz="2800" kern="0" smtClean="0">
+              <a:t>mô </a:t>
+            </a:r>
+            <a:r>
+              <a:rPr lang="vi-VN" sz="2800" kern="0">
                 <a:solidFill>
                   <a:schemeClr val="tx1"/>
                 </a:solidFill>
                 <a:latin typeface="Times New Roman" pitchFamily="18" charset="0"/>
                 <a:cs typeface="Times New Roman" pitchFamily="18" charset="0"/>
               </a:rPr>
-              <a:t>mô </a:t>
-            </a:r>
-            <a:r>
-              <a:rPr lang="vi-VN" sz="2800" kern="0">
-                <a:solidFill>
-                  <a:schemeClr val="tx1"/>
-                </a:solidFill>
-                <a:latin typeface="Times New Roman" pitchFamily="18" charset="0"/>
-                <a:cs typeface="Times New Roman" pitchFamily="18" charset="0"/>
-              </a:rPr>
-              <a:t>hình </a:t>
-            </a:r>
-            <a:r>
-              <a:rPr lang="vi-VN" sz="2800" kern="0">
-                <a:solidFill>
-                  <a:schemeClr val="tx1"/>
-                </a:solidFill>
-                <a:latin typeface="Times New Roman" pitchFamily="18" charset="0"/>
-                <a:cs typeface="Times New Roman" pitchFamily="18" charset="0"/>
-              </a:rPr>
-              <a:t>hệ </a:t>
+              <a:t>hình hệ </a:t>
             </a:r>
             <a:r>
               <a:rPr lang="vi-VN" sz="2800" kern="0" smtClean="0">
@@ -14396,17 +14343,7 @@
                 <a:latin typeface="Times New Roman" pitchFamily="18" charset="0"/>
                 <a:cs typeface="Times New Roman" pitchFamily="18" charset="0"/>
               </a:rPr>
-              <a:t>và các ràng buộc toàn </a:t>
-            </a:r>
-            <a:r>
-              <a:rPr lang="vi-VN" sz="2800" kern="0">
-                <a:solidFill>
-                  <a:schemeClr val="tx1"/>
-                </a:solidFill>
-                <a:latin typeface="Times New Roman" pitchFamily="18" charset="0"/>
-                <a:cs typeface="Times New Roman" pitchFamily="18" charset="0"/>
-              </a:rPr>
-              <a:t>vẹn</a:t>
+              <a:t>và các ràng buộc toàn vẹn</a:t>
             </a:r>
             <a:r>
               <a:rPr lang="vi-VN" sz="2800" kern="0" smtClean="0">
@@ -14898,17 +14835,7 @@
                 <a:latin typeface="Times New Roman" pitchFamily="18" charset="0"/>
                 <a:cs typeface="Times New Roman" pitchFamily="18" charset="0"/>
               </a:rPr>
-              <a:t>phép quản trị một </a:t>
-            </a:r>
-            <a:r>
-              <a:rPr lang="vi-VN" sz="2800" kern="0">
-                <a:solidFill>
-                  <a:schemeClr val="tx1"/>
-                </a:solidFill>
-                <a:latin typeface="Times New Roman" pitchFamily="18" charset="0"/>
-                <a:cs typeface="Times New Roman" pitchFamily="18" charset="0"/>
-              </a:rPr>
-              <a:t>hệ </a:t>
+              <a:t>phép quản trị một hệ </a:t>
             </a:r>
             <a:r>
               <a:rPr lang="en-US" sz="2800" kern="0" smtClean="0">
@@ -15033,67 +14960,47 @@
                 <a:latin typeface="Times New Roman" pitchFamily="18" charset="0"/>
                 <a:cs typeface="Times New Roman" pitchFamily="18" charset="0"/>
               </a:rPr>
-              <a:t>Là mã </a:t>
-            </a:r>
-            <a:r>
-              <a:rPr lang="vi-VN" sz="2800" kern="0">
+              <a:t>Là mã nguồn </a:t>
+            </a:r>
+            <a:r>
+              <a:rPr lang="vi-VN" sz="2800" kern="0" smtClean="0">
                 <a:solidFill>
                   <a:schemeClr val="tx1"/>
                 </a:solidFill>
                 <a:latin typeface="Times New Roman" pitchFamily="18" charset="0"/>
                 <a:cs typeface="Times New Roman" pitchFamily="18" charset="0"/>
               </a:rPr>
-              <a:t>nguồn </a:t>
-            </a:r>
-            <a:r>
-              <a:rPr lang="vi-VN" sz="2800" kern="0" smtClean="0">
+              <a:t>m</a:t>
+            </a:r>
+            <a:r>
+              <a:rPr lang="en-US" sz="2800" kern="0" smtClean="0">
                 <a:solidFill>
                   <a:schemeClr val="tx1"/>
                 </a:solidFill>
                 <a:latin typeface="Times New Roman" pitchFamily="18" charset="0"/>
                 <a:cs typeface="Times New Roman" pitchFamily="18" charset="0"/>
               </a:rPr>
-              <a:t>m</a:t>
-            </a:r>
-            <a:r>
-              <a:rPr lang="en-US" sz="2800" kern="0" smtClean="0">
+              <a:t>ở</a:t>
+            </a:r>
+            <a:r>
+              <a:rPr lang="vi-VN" sz="2800" kern="0" smtClean="0">
                 <a:solidFill>
                   <a:schemeClr val="tx1"/>
                 </a:solidFill>
                 <a:latin typeface="Times New Roman" pitchFamily="18" charset="0"/>
                 <a:cs typeface="Times New Roman" pitchFamily="18" charset="0"/>
               </a:rPr>
-              <a:t>ở</a:t>
-            </a:r>
-            <a:r>
-              <a:rPr lang="vi-VN" sz="2800" kern="0" smtClean="0">
+              <a:t> </a:t>
+            </a:r>
+            <a:r>
+              <a:rPr lang="vi-VN" sz="2800" kern="0">
                 <a:solidFill>
                   <a:schemeClr val="tx1"/>
                 </a:solidFill>
                 <a:latin typeface="Times New Roman" pitchFamily="18" charset="0"/>
                 <a:cs typeface="Times New Roman" pitchFamily="18" charset="0"/>
               </a:rPr>
-              <a:t> </a:t>
-            </a:r>
-            <a:r>
-              <a:rPr lang="vi-VN" sz="2800" kern="0">
-                <a:solidFill>
-                  <a:schemeClr val="tx1"/>
-                </a:solidFill>
-                <a:latin typeface="Times New Roman" pitchFamily="18" charset="0"/>
-                <a:cs typeface="Times New Roman" pitchFamily="18" charset="0"/>
-              </a:rPr>
-              <a:t>cho phép kết nối với nhiều ngôn ngữ lập </a:t>
-            </a:r>
-            <a:r>
-              <a:rPr lang="vi-VN" sz="2800" kern="0">
-                <a:solidFill>
-                  <a:schemeClr val="tx1"/>
-                </a:solidFill>
-                <a:latin typeface="Times New Roman" pitchFamily="18" charset="0"/>
-                <a:cs typeface="Times New Roman" pitchFamily="18" charset="0"/>
-              </a:rPr>
-              <a:t>trình</a:t>
+              <a:t>cho phép kết nối với nhiều ngôn ngữ lập trình</a:t>
             </a:r>
             <a:r>
               <a:rPr lang="vi-VN" sz="2800" kern="0" smtClean="0">
@@ -15729,14 +15636,7 @@
                 <a:latin typeface="Times New Roman" panose="02020603050405020304" pitchFamily="18" charset="0"/>
                 <a:cs typeface="Times New Roman" pitchFamily="18" charset="0"/>
               </a:rPr>
-              <a:t>1. </a:t>
-            </a:r>
-            <a:r>
-              <a:rPr lang="en-US" sz="2800" b="1" smtClean="0">
-                <a:latin typeface="Times New Roman" pitchFamily="18" charset="0"/>
-                <a:cs typeface="Times New Roman" pitchFamily="18" charset="0"/>
-              </a:rPr>
-              <a:t>Spring MVC Framework</a:t>
+              <a:t>1. Spring MVC Framework</a:t>
             </a:r>
             <a:endParaRPr lang="en-US" sz="2800" b="1">
               <a:latin typeface="Times New Roman" pitchFamily="18" charset="0"/>
@@ -15793,14 +15693,7 @@
                 <a:latin typeface="Times New Roman" panose="02020603050405020304" pitchFamily="18" charset="0"/>
                 <a:cs typeface="Times New Roman" pitchFamily="18" charset="0"/>
               </a:rPr>
-              <a:t>2</a:t>
-            </a:r>
-            <a:r>
-              <a:rPr lang="en-US" sz="2800" b="1">
-                <a:latin typeface="Times New Roman" panose="02020603050405020304" pitchFamily="18" charset="0"/>
-                <a:cs typeface="Times New Roman" pitchFamily="18" charset="0"/>
-              </a:rPr>
-              <a:t>. </a:t>
+              <a:t>2. </a:t>
             </a:r>
             <a:r>
               <a:rPr lang="en-US" sz="2800" b="1" smtClean="0">
@@ -15864,14 +15757,7 @@
                 <a:latin typeface="Times New Roman" panose="02020603050405020304" pitchFamily="18" charset="0"/>
                 <a:cs typeface="Times New Roman" pitchFamily="18" charset="0"/>
               </a:rPr>
-              <a:t>3</a:t>
-            </a:r>
-            <a:r>
-              <a:rPr lang="en-US" sz="2800" b="1">
-                <a:latin typeface="Times New Roman" panose="02020603050405020304" pitchFamily="18" charset="0"/>
-                <a:cs typeface="Times New Roman" pitchFamily="18" charset="0"/>
-              </a:rPr>
-              <a:t>. </a:t>
+              <a:t>3. </a:t>
             </a:r>
             <a:r>
               <a:rPr lang="en-US" sz="2800" b="1" smtClean="0">
@@ -15935,14 +15821,7 @@
                 <a:latin typeface="Times New Roman" panose="02020603050405020304" pitchFamily="18" charset="0"/>
                 <a:cs typeface="Times New Roman" pitchFamily="18" charset="0"/>
               </a:rPr>
-              <a:t>4</a:t>
-            </a:r>
-            <a:r>
-              <a:rPr lang="en-US" sz="2800" b="1">
-                <a:latin typeface="Times New Roman" panose="02020603050405020304" pitchFamily="18" charset="0"/>
-                <a:cs typeface="Times New Roman" pitchFamily="18" charset="0"/>
-              </a:rPr>
-              <a:t>. </a:t>
+              <a:t>4. </a:t>
             </a:r>
             <a:r>
               <a:rPr lang="en-US" sz="2800" b="1" smtClean="0">
@@ -16006,49 +15885,21 @@
                 <a:latin typeface="Times New Roman" panose="02020603050405020304" pitchFamily="18" charset="0"/>
                 <a:cs typeface="Times New Roman" pitchFamily="18" charset="0"/>
               </a:rPr>
-              <a:t>5</a:t>
+              <a:t>5. HTML, CSS, </a:t>
+            </a:r>
+            <a:r>
+              <a:rPr lang="en-US" sz="2800" b="1" smtClean="0">
+                <a:latin typeface="Times New Roman" panose="02020603050405020304" pitchFamily="18" charset="0"/>
+                <a:cs typeface="Times New Roman" pitchFamily="18" charset="0"/>
+              </a:rPr>
+              <a:t>Javascript </a:t>
             </a:r>
             <a:r>
               <a:rPr lang="en-US" sz="2800" b="1">
                 <a:latin typeface="Times New Roman" panose="02020603050405020304" pitchFamily="18" charset="0"/>
                 <a:cs typeface="Times New Roman" pitchFamily="18" charset="0"/>
               </a:rPr>
-              <a:t>. </a:t>
-            </a:r>
-            <a:r>
-              <a:rPr lang="en-US" sz="2800" b="1">
-                <a:latin typeface="Times New Roman" panose="02020603050405020304" pitchFamily="18" charset="0"/>
-                <a:cs typeface="Times New Roman" pitchFamily="18" charset="0"/>
-              </a:rPr>
-              <a:t>HTML, CSS</a:t>
-            </a:r>
-            <a:r>
-              <a:rPr lang="en-US" sz="2800" b="1">
-                <a:latin typeface="Times New Roman" panose="02020603050405020304" pitchFamily="18" charset="0"/>
-                <a:cs typeface="Times New Roman" pitchFamily="18" charset="0"/>
-              </a:rPr>
-              <a:t>, </a:t>
-            </a:r>
-            <a:r>
-              <a:rPr lang="en-US" sz="2800" b="1" smtClean="0">
-                <a:latin typeface="Times New Roman" panose="02020603050405020304" pitchFamily="18" charset="0"/>
-                <a:cs typeface="Times New Roman" pitchFamily="18" charset="0"/>
-              </a:rPr>
-              <a:t>Javascript </a:t>
-            </a:r>
-            <a:r>
-              <a:rPr lang="en-US" sz="2800" b="1">
-                <a:latin typeface="Times New Roman" panose="02020603050405020304" pitchFamily="18" charset="0"/>
-                <a:cs typeface="Times New Roman" pitchFamily="18" charset="0"/>
-              </a:rPr>
-              <a:t>kết </a:t>
-            </a:r>
-            <a:r>
-              <a:rPr lang="en-US" sz="2800" b="1">
-                <a:latin typeface="Times New Roman" panose="02020603050405020304" pitchFamily="18" charset="0"/>
-                <a:cs typeface="Times New Roman" pitchFamily="18" charset="0"/>
-              </a:rPr>
-              <a:t>hợp </a:t>
+              <a:t>kết hợp </a:t>
             </a:r>
             <a:r>
               <a:rPr lang="en-US" sz="2800" b="1" smtClean="0">
@@ -18126,19 +17977,8 @@
                 <a:latin typeface="Times New Roman" panose="02020603050405020304" pitchFamily="18" charset="0"/>
                 <a:cs typeface="Times New Roman" pitchFamily="18" charset="0"/>
               </a:rPr>
-              <a:t> </a:t>
-            </a:r>
-            <a:r>
-              <a:rPr lang="en-US" sz="2800" b="1">
-                <a:latin typeface="Times New Roman" panose="02020603050405020304" pitchFamily="18" charset="0"/>
-                <a:cs typeface="Times New Roman" pitchFamily="18" charset="0"/>
-              </a:rPr>
-              <a:t>cứu</a:t>
-            </a:r>
-            <a:endParaRPr lang="en-US" sz="2800" b="1">
-              <a:latin typeface="Times New Roman" panose="02020603050405020304" pitchFamily="18" charset="0"/>
-              <a:cs typeface="Times New Roman" pitchFamily="18" charset="0"/>
-            </a:endParaRPr>
+              <a:t> cứu</a:t>
+            </a:r>
           </a:p>
         </p:txBody>
       </p:sp>
@@ -18324,21 +18164,7 @@
                 <a:latin typeface="Times New Roman" panose="02020603050405020304" pitchFamily="18" charset="0"/>
                 <a:cs typeface="Times New Roman" pitchFamily="18" charset="0"/>
               </a:rPr>
-              <a:t>5</a:t>
-            </a:r>
-            <a:r>
-              <a:rPr lang="en-US" sz="2800" b="1">
-                <a:latin typeface="Times New Roman" panose="02020603050405020304" pitchFamily="18" charset="0"/>
-                <a:cs typeface="Times New Roman" pitchFamily="18" charset="0"/>
-              </a:rPr>
-              <a:t>. </a:t>
-            </a:r>
-            <a:r>
-              <a:rPr lang="en-US" sz="2800" b="1">
-                <a:latin typeface="Times New Roman" panose="02020603050405020304" pitchFamily="18" charset="0"/>
-                <a:cs typeface="Times New Roman" pitchFamily="18" charset="0"/>
-              </a:rPr>
-              <a:t>Demo </a:t>
+              <a:t>5. Demo </a:t>
             </a:r>
             <a:r>
               <a:rPr lang="en-US" sz="2800" b="1" err="1">
@@ -18923,20 +18749,7 @@
                 <a:latin typeface="Times New Roman" panose="02020603050405020304" pitchFamily="18" charset="0"/>
                 <a:cs typeface="Times New Roman" panose="02020603050405020304" pitchFamily="18" charset="0"/>
               </a:rPr>
-              <a:t>NỘI </a:t>
-            </a:r>
-            <a:r>
-              <a:rPr lang="en-US" smtClean="0">
-                <a:solidFill>
-                  <a:schemeClr val="accent6">
-                    <a:lumMod val="60000"/>
-                    <a:lumOff val="40000"/>
-                  </a:schemeClr>
-                </a:solidFill>
-                <a:latin typeface="Times New Roman" panose="02020603050405020304" pitchFamily="18" charset="0"/>
-                <a:cs typeface="Times New Roman" panose="02020603050405020304" pitchFamily="18" charset="0"/>
-              </a:rPr>
-              <a:t>DUNG VÀ KẾT QUẢ NGHIÊN CỨU</a:t>
+              <a:t>NỘI DUNG VÀ KẾT QUẢ NGHIÊN CỨU</a:t>
             </a:r>
             <a:endParaRPr lang="en-US">
               <a:solidFill>
@@ -19303,13 +19116,6 @@
               </a:rPr>
               <a:t>Đặc tả yêu cầu</a:t>
             </a:r>
-            <a:endParaRPr lang="en-US" sz="2800" kern="0" smtClean="0">
-              <a:solidFill>
-                <a:schemeClr val="tx1"/>
-              </a:solidFill>
-              <a:latin typeface="Times New Roman" pitchFamily="18" charset="0"/>
-              <a:cs typeface="Times New Roman" pitchFamily="18" charset="0"/>
-            </a:endParaRPr>
           </a:p>
           <a:p>
             <a:pPr marL="1366838" lvl="1" indent="-457200" eaLnBrk="1" hangingPunct="1">
@@ -22576,17 +22382,7 @@
                 <a:latin typeface="Times New Roman" pitchFamily="18" charset="0"/>
                 <a:cs typeface="Times New Roman" pitchFamily="18" charset="0"/>
               </a:rPr>
-              <a:t> </a:t>
-            </a:r>
-            <a:r>
-              <a:rPr lang="en-US" sz="2400" b="1" smtClean="0">
-                <a:solidFill>
-                  <a:srgbClr val="FF0000"/>
-                </a:solidFill>
-                <a:latin typeface="Times New Roman" pitchFamily="18" charset="0"/>
-                <a:cs typeface="Times New Roman" pitchFamily="18" charset="0"/>
-              </a:rPr>
-              <a:t>đăng nhập</a:t>
+              <a:t> đăng nhập</a:t>
             </a:r>
             <a:endParaRPr lang="en-US" sz="2400" b="1"/>
           </a:p>
@@ -23087,17 +22883,7 @@
                 <a:latin typeface="Times New Roman" pitchFamily="18" charset="0"/>
                 <a:cs typeface="Times New Roman" pitchFamily="18" charset="0"/>
               </a:rPr>
-              <a:t> </a:t>
-            </a:r>
-            <a:r>
-              <a:rPr lang="en-US" sz="2400" b="1" smtClean="0">
-                <a:solidFill>
-                  <a:srgbClr val="FF0000"/>
-                </a:solidFill>
-                <a:latin typeface="Times New Roman" pitchFamily="18" charset="0"/>
-                <a:cs typeface="Times New Roman" pitchFamily="18" charset="0"/>
-              </a:rPr>
-              <a:t>đăng ký</a:t>
+              <a:t> đăng ký</a:t>
             </a:r>
             <a:endParaRPr lang="en-US" sz="2400" b="1"/>
           </a:p>
@@ -23598,17 +23384,7 @@
                 <a:latin typeface="Times New Roman" pitchFamily="18" charset="0"/>
                 <a:cs typeface="Times New Roman" pitchFamily="18" charset="0"/>
               </a:rPr>
-              <a:t> </a:t>
-            </a:r>
-            <a:r>
-              <a:rPr lang="en-US" sz="2400" b="1" smtClean="0">
-                <a:solidFill>
-                  <a:srgbClr val="FF0000"/>
-                </a:solidFill>
-                <a:latin typeface="Times New Roman" pitchFamily="18" charset="0"/>
-                <a:cs typeface="Times New Roman" pitchFamily="18" charset="0"/>
-              </a:rPr>
-              <a:t>tìm kiếm</a:t>
+              <a:t> tìm kiếm</a:t>
             </a:r>
             <a:endParaRPr lang="en-US" sz="2400" b="1"/>
           </a:p>
@@ -25226,17 +25002,7 @@
                 <a:latin typeface="Times New Roman" pitchFamily="18" charset="0"/>
                 <a:cs typeface="Times New Roman" pitchFamily="18" charset="0"/>
               </a:rPr>
-              <a:t>Hệ điều hành Windows </a:t>
-            </a:r>
-            <a:r>
-              <a:rPr lang="en-US" sz="2800" kern="0">
-                <a:solidFill>
-                  <a:schemeClr val="tx1"/>
-                </a:solidFill>
-                <a:latin typeface="Times New Roman" pitchFamily="18" charset="0"/>
-                <a:cs typeface="Times New Roman" pitchFamily="18" charset="0"/>
-              </a:rPr>
-              <a:t>10 </a:t>
+              <a:t>Hệ điều hành Windows 10 </a:t>
             </a:r>
             <a:r>
               <a:rPr lang="en-US" sz="2800" kern="0" smtClean="0">
@@ -25281,17 +25047,7 @@
                 <a:latin typeface="Times New Roman" pitchFamily="18" charset="0"/>
                 <a:cs typeface="Times New Roman" pitchFamily="18" charset="0"/>
               </a:rPr>
-              <a:t>MySQL Workbench </a:t>
-            </a:r>
-            <a:r>
-              <a:rPr lang="en-US" sz="2800" kern="0">
-                <a:solidFill>
-                  <a:schemeClr val="tx1"/>
-                </a:solidFill>
-                <a:latin typeface="Times New Roman" pitchFamily="18" charset="0"/>
-                <a:cs typeface="Times New Roman" pitchFamily="18" charset="0"/>
-              </a:rPr>
-              <a:t>6.3 </a:t>
+              <a:t>MySQL Workbench 6.3 </a:t>
             </a:r>
             <a:r>
               <a:rPr lang="en-US" sz="2800" kern="0" smtClean="0">
@@ -26342,17 +26098,7 @@
                 <a:latin typeface="Times New Roman" pitchFamily="18" charset="0"/>
                 <a:cs typeface="Times New Roman" pitchFamily="18" charset="0"/>
               </a:rPr>
-              <a:t>vững </a:t>
-            </a:r>
-            <a:r>
-              <a:rPr lang="vi-VN" sz="2800" kern="0">
-                <a:solidFill>
-                  <a:schemeClr val="tx1"/>
-                </a:solidFill>
-                <a:latin typeface="Times New Roman" pitchFamily="18" charset="0"/>
-                <a:cs typeface="Times New Roman" pitchFamily="18" charset="0"/>
-              </a:rPr>
-              <a:t>về </a:t>
+              <a:t>vững về </a:t>
             </a:r>
             <a:r>
               <a:rPr lang="vi-VN" sz="2800" kern="0" smtClean="0">
@@ -26407,17 +26153,7 @@
                 <a:latin typeface="Times New Roman" pitchFamily="18" charset="0"/>
                 <a:cs typeface="Times New Roman" pitchFamily="18" charset="0"/>
               </a:rPr>
-              <a:t>cách sử dụng Spring MVC Framework, Hibernate và Maven để xây dựng và thiết kế </a:t>
-            </a:r>
-            <a:r>
-              <a:rPr lang="vi-VN" sz="2800" kern="0">
-                <a:solidFill>
-                  <a:schemeClr val="tx1"/>
-                </a:solidFill>
-                <a:latin typeface="Times New Roman" pitchFamily="18" charset="0"/>
-                <a:cs typeface="Times New Roman" pitchFamily="18" charset="0"/>
-              </a:rPr>
-              <a:t>website</a:t>
+              <a:t>cách sử dụng Spring MVC Framework, Hibernate và Maven để xây dựng và thiết kế website</a:t>
             </a:r>
             <a:r>
               <a:rPr lang="vi-VN" sz="2800" kern="0" smtClean="0">
@@ -26494,17 +26230,7 @@
                 <a:latin typeface="Times New Roman" pitchFamily="18" charset="0"/>
                 <a:cs typeface="Times New Roman" pitchFamily="18" charset="0"/>
               </a:rPr>
-              <a:t>ứng được hầu hết các yêu cầu về chức năng đã </a:t>
-            </a:r>
-            <a:r>
-              <a:rPr lang="vi-VN" sz="2800" kern="0">
-                <a:solidFill>
-                  <a:schemeClr val="tx1"/>
-                </a:solidFill>
-                <a:latin typeface="Times New Roman" pitchFamily="18" charset="0"/>
-                <a:cs typeface="Times New Roman" pitchFamily="18" charset="0"/>
-              </a:rPr>
-              <a:t>đề </a:t>
+              <a:t>ứng được hầu hết các yêu cầu về chức năng đã đề </a:t>
             </a:r>
             <a:r>
               <a:rPr lang="vi-VN" sz="2800" kern="0" smtClean="0">
@@ -26576,17 +26302,7 @@
                 <a:latin typeface="Times New Roman" pitchFamily="18" charset="0"/>
                 <a:cs typeface="Times New Roman" pitchFamily="18" charset="0"/>
               </a:rPr>
-              <a:t>ứng với nhiều thiết </a:t>
-            </a:r>
-            <a:r>
-              <a:rPr lang="vi-VN" sz="2800" kern="0">
-                <a:solidFill>
-                  <a:schemeClr val="tx1"/>
-                </a:solidFill>
-                <a:latin typeface="Times New Roman" pitchFamily="18" charset="0"/>
-                <a:cs typeface="Times New Roman" pitchFamily="18" charset="0"/>
-              </a:rPr>
-              <a:t>bị </a:t>
+              <a:t>ứng với nhiều thiết bị </a:t>
             </a:r>
             <a:r>
               <a:rPr lang="vi-VN" sz="2800" kern="0" smtClean="0">
@@ -27660,13 +27376,6 @@
               </a:rPr>
               <a:t>Đăng ký, đăng nhập, tìm kiếm, đặt vé.</a:t>
             </a:r>
-            <a:endParaRPr lang="en-US" sz="2800" kern="0" smtClean="0">
-              <a:solidFill>
-                <a:schemeClr val="tx1"/>
-              </a:solidFill>
-              <a:latin typeface="Times New Roman" pitchFamily="18" charset="0"/>
-              <a:cs typeface="Times New Roman" pitchFamily="18" charset="0"/>
-            </a:endParaRPr>
           </a:p>
           <a:p>
             <a:pPr marL="1366838" lvl="1" indent="-457200" eaLnBrk="1" hangingPunct="1">
@@ -27826,17 +27535,7 @@
                 <a:latin typeface="Times New Roman" pitchFamily="18" charset="0"/>
                 <a:cs typeface="Times New Roman" pitchFamily="18" charset="0"/>
               </a:rPr>
-              <a:t>Import</a:t>
-            </a:r>
-            <a:r>
-              <a:rPr lang="en-US" sz="2800" kern="0">
-                <a:solidFill>
-                  <a:schemeClr val="tx1"/>
-                </a:solidFill>
-                <a:latin typeface="Times New Roman" pitchFamily="18" charset="0"/>
-                <a:cs typeface="Times New Roman" pitchFamily="18" charset="0"/>
-              </a:rPr>
-              <a:t>/ </a:t>
+              <a:t>Import/ </a:t>
             </a:r>
             <a:r>
               <a:rPr lang="en-US" sz="2800" kern="0" smtClean="0">
@@ -29515,6 +29214,267 @@
 </p:sld>
 </file>
 
+<file path=ppt/slides/slide39.xml><?xml version="1.0" encoding="utf-8"?>
+<p:sld xmlns:a="http://schemas.openxmlformats.org/drawingml/2006/main" xmlns:r="http://schemas.openxmlformats.org/officeDocument/2006/relationships" xmlns:p="http://schemas.openxmlformats.org/presentationml/2006/main">
+  <p:cSld>
+    <p:spTree>
+      <p:nvGrpSpPr>
+        <p:cNvPr id="1" name=""/>
+        <p:cNvGrpSpPr/>
+        <p:nvPr/>
+      </p:nvGrpSpPr>
+      <p:grpSpPr>
+        <a:xfrm>
+          <a:off x="0" y="0"/>
+          <a:ext cx="0" cy="0"/>
+          <a:chOff x="0" y="0"/>
+          <a:chExt cx="0" cy="0"/>
+        </a:xfrm>
+      </p:grpSpPr>
+      <p:pic>
+        <p:nvPicPr>
+          <p:cNvPr id="7" name="Picture 6"/>
+          <p:cNvPicPr/>
+          <p:nvPr/>
+        </p:nvPicPr>
+        <p:blipFill>
+          <a:blip r:embed="rId2" cstate="print">
+            <a:extLst>
+              <a:ext uri="{28A0092B-C50C-407E-A947-70E740481C1C}">
+                <a14:useLocalDpi xmlns:a14="http://schemas.microsoft.com/office/drawing/2010/main" val="0"/>
+              </a:ext>
+            </a:extLst>
+          </a:blip>
+          <a:stretch>
+            <a:fillRect/>
+          </a:stretch>
+        </p:blipFill>
+        <p:spPr>
+          <a:xfrm>
+            <a:off x="309396" y="223315"/>
+            <a:ext cx="1164889" cy="1100826"/>
+          </a:xfrm>
+          <a:prstGeom prst="rect">
+            <a:avLst/>
+          </a:prstGeom>
+        </p:spPr>
+      </p:pic>
+      <p:sp>
+        <p:nvSpPr>
+          <p:cNvPr id="9" name="TextBox 8"/>
+          <p:cNvSpPr txBox="1"/>
+          <p:nvPr/>
+        </p:nvSpPr>
+        <p:spPr>
+          <a:xfrm>
+            <a:off x="107300" y="1362089"/>
+            <a:ext cx="1819922" cy="369332"/>
+          </a:xfrm>
+          <a:prstGeom prst="rect">
+            <a:avLst/>
+          </a:prstGeom>
+          <a:noFill/>
+          <a:effectLst>
+            <a:outerShdw blurRad="50800" dist="38100" dir="13500000" algn="br" rotWithShape="0">
+              <a:prstClr val="black">
+                <a:alpha val="40000"/>
+              </a:prstClr>
+            </a:outerShdw>
+          </a:effectLst>
+        </p:spPr>
+        <p:txBody>
+          <a:bodyPr wrap="none" rtlCol="0">
+            <a:spAutoFit/>
+          </a:bodyPr>
+          <a:lstStyle/>
+          <a:p>
+            <a:r>
+              <a:rPr lang="en-US" smtClean="0">
+                <a:solidFill>
+                  <a:schemeClr val="accent4"/>
+                </a:solidFill>
+              </a:rPr>
+              <a:t>CanTho University</a:t>
+            </a:r>
+            <a:endParaRPr lang="en-US">
+              <a:solidFill>
+                <a:schemeClr val="accent4"/>
+              </a:solidFill>
+            </a:endParaRPr>
+          </a:p>
+        </p:txBody>
+      </p:sp>
+      <p:pic>
+        <p:nvPicPr>
+          <p:cNvPr id="6" name="Picture 5"/>
+          <p:cNvPicPr>
+            <a:picLocks noChangeAspect="1"/>
+          </p:cNvPicPr>
+          <p:nvPr/>
+        </p:nvPicPr>
+        <p:blipFill rotWithShape="1">
+          <a:blip r:embed="rId3" cstate="print">
+            <a:extLst>
+              <a:ext uri="{28A0092B-C50C-407E-A947-70E740481C1C}">
+                <a14:useLocalDpi xmlns:a14="http://schemas.microsoft.com/office/drawing/2010/main" val="0"/>
+              </a:ext>
+            </a:extLst>
+          </a:blip>
+          <a:srcRect b="675"/>
+          <a:stretch/>
+        </p:blipFill>
+        <p:spPr>
+          <a:xfrm>
+            <a:off x="4382433" y="649225"/>
+            <a:ext cx="4093067" cy="4228079"/>
+          </a:xfrm>
+          <a:prstGeom prst="rect">
+            <a:avLst/>
+          </a:prstGeom>
+        </p:spPr>
+      </p:pic>
+    </p:spTree>
+    <p:extLst>
+      <p:ext uri="{BB962C8B-B14F-4D97-AF65-F5344CB8AC3E}">
+        <p14:creationId xmlns:p14="http://schemas.microsoft.com/office/powerpoint/2010/main" val="4249503734"/>
+      </p:ext>
+    </p:extLst>
+  </p:cSld>
+  <p:clrMapOvr>
+    <a:masterClrMapping/>
+  </p:clrMapOvr>
+  <p:timing>
+    <p:tnLst>
+      <p:par>
+        <p:cTn id="1" dur="indefinite" restart="never" nodeType="tmRoot">
+          <p:childTnLst>
+            <p:seq concurrent="1" nextAc="seek">
+              <p:cTn id="2" dur="indefinite" nodeType="mainSeq">
+                <p:childTnLst>
+                  <p:par>
+                    <p:cTn id="3" fill="hold">
+                      <p:stCondLst>
+                        <p:cond delay="indefinite"/>
+                      </p:stCondLst>
+                      <p:childTnLst>
+                        <p:par>
+                          <p:cTn id="4" fill="hold">
+                            <p:stCondLst>
+                              <p:cond delay="0"/>
+                            </p:stCondLst>
+                            <p:childTnLst>
+                              <p:par>
+                                <p:cTn id="5" presetID="55" presetClass="entr" presetSubtype="0" fill="hold" nodeType="clickEffect">
+                                  <p:stCondLst>
+                                    <p:cond delay="0"/>
+                                  </p:stCondLst>
+                                  <p:childTnLst>
+                                    <p:set>
+                                      <p:cBhvr>
+                                        <p:cTn id="6" dur="1" fill="hold">
+                                          <p:stCondLst>
+                                            <p:cond delay="0"/>
+                                          </p:stCondLst>
+                                        </p:cTn>
+                                        <p:tgtEl>
+                                          <p:spTgt spid="6"/>
+                                        </p:tgtEl>
+                                        <p:attrNameLst>
+                                          <p:attrName>style.visibility</p:attrName>
+                                        </p:attrNameLst>
+                                      </p:cBhvr>
+                                      <p:to>
+                                        <p:strVal val="visible"/>
+                                      </p:to>
+                                    </p:set>
+                                    <p:anim calcmode="lin" valueType="num">
+                                      <p:cBhvr>
+                                        <p:cTn id="7" dur="1000" fill="hold"/>
+                                        <p:tgtEl>
+                                          <p:spTgt spid="6"/>
+                                        </p:tgtEl>
+                                        <p:attrNameLst>
+                                          <p:attrName>ppt_w</p:attrName>
+                                        </p:attrNameLst>
+                                      </p:cBhvr>
+                                      <p:tavLst>
+                                        <p:tav tm="0">
+                                          <p:val>
+                                            <p:strVal val="#ppt_w*0.70"/>
+                                          </p:val>
+                                        </p:tav>
+                                        <p:tav tm="100000">
+                                          <p:val>
+                                            <p:strVal val="#ppt_w"/>
+                                          </p:val>
+                                        </p:tav>
+                                      </p:tavLst>
+                                    </p:anim>
+                                    <p:anim calcmode="lin" valueType="num">
+                                      <p:cBhvr>
+                                        <p:cTn id="8" dur="1000" fill="hold"/>
+                                        <p:tgtEl>
+                                          <p:spTgt spid="6"/>
+                                        </p:tgtEl>
+                                        <p:attrNameLst>
+                                          <p:attrName>ppt_h</p:attrName>
+                                        </p:attrNameLst>
+                                      </p:cBhvr>
+                                      <p:tavLst>
+                                        <p:tav tm="0">
+                                          <p:val>
+                                            <p:strVal val="#ppt_h"/>
+                                          </p:val>
+                                        </p:tav>
+                                        <p:tav tm="100000">
+                                          <p:val>
+                                            <p:strVal val="#ppt_h"/>
+                                          </p:val>
+                                        </p:tav>
+                                      </p:tavLst>
+                                    </p:anim>
+                                    <p:animEffect transition="in" filter="fade">
+                                      <p:cBhvr>
+                                        <p:cTn id="9" dur="1000"/>
+                                        <p:tgtEl>
+                                          <p:spTgt spid="6"/>
+                                        </p:tgtEl>
+                                      </p:cBhvr>
+                                    </p:animEffect>
+                                  </p:childTnLst>
+                                </p:cTn>
+                              </p:par>
+                            </p:childTnLst>
+                          </p:cTn>
+                        </p:par>
+                      </p:childTnLst>
+                    </p:cTn>
+                  </p:par>
+                </p:childTnLst>
+              </p:cTn>
+              <p:prevCondLst>
+                <p:cond evt="onPrev" delay="0">
+                  <p:tgtEl>
+                    <p:sldTgt/>
+                  </p:tgtEl>
+                </p:cond>
+              </p:prevCondLst>
+              <p:nextCondLst>
+                <p:cond evt="onNext" delay="0">
+                  <p:tgtEl>
+                    <p:sldTgt/>
+                  </p:tgtEl>
+                </p:cond>
+              </p:nextCondLst>
+            </p:seq>
+          </p:childTnLst>
+        </p:cTn>
+      </p:par>
+    </p:tnLst>
+  </p:timing>
+</p:sld>
+</file>
+
 <file path=ppt/slides/slide4.xml><?xml version="1.0" encoding="utf-8"?>
 <p:sld xmlns:a="http://schemas.openxmlformats.org/drawingml/2006/main" xmlns:r="http://schemas.openxmlformats.org/officeDocument/2006/relationships" xmlns:p="http://schemas.openxmlformats.org/presentationml/2006/main">
   <p:cSld>
@@ -29943,37 +29903,37 @@
                 <a:latin typeface="Times New Roman" pitchFamily="18" charset="0"/>
                 <a:cs typeface="Times New Roman" pitchFamily="18" charset="0"/>
               </a:rPr>
-              <a:t>Đất nước </a:t>
-            </a:r>
-            <a:r>
-              <a:rPr lang="vi-VN" sz="2800" kern="0">
+              <a:t>Đất nước ta </a:t>
+            </a:r>
+            <a:r>
+              <a:rPr lang="vi-VN" sz="2800" kern="0" smtClean="0">
                 <a:solidFill>
                   <a:schemeClr val="tx1"/>
                 </a:solidFill>
                 <a:latin typeface="Times New Roman" pitchFamily="18" charset="0"/>
                 <a:cs typeface="Times New Roman" pitchFamily="18" charset="0"/>
               </a:rPr>
-              <a:t>ta </a:t>
-            </a:r>
-            <a:r>
-              <a:rPr lang="vi-VN" sz="2800" kern="0" smtClean="0">
+              <a:t>nơi </a:t>
+            </a:r>
+            <a:r>
+              <a:rPr lang="vi-VN" sz="2800" kern="0">
                 <a:solidFill>
                   <a:schemeClr val="tx1"/>
                 </a:solidFill>
                 <a:latin typeface="Times New Roman" pitchFamily="18" charset="0"/>
                 <a:cs typeface="Times New Roman" pitchFamily="18" charset="0"/>
               </a:rPr>
-              <a:t>nơi </a:t>
-            </a:r>
-            <a:r>
-              <a:rPr lang="vi-VN" sz="2800" kern="0">
+              <a:t>nơi đều có cảnh đẹp làm nao </a:t>
+            </a:r>
+            <a:r>
+              <a:rPr lang="vi-VN" sz="2800" kern="0" smtClean="0">
                 <a:solidFill>
                   <a:schemeClr val="tx1"/>
                 </a:solidFill>
                 <a:latin typeface="Times New Roman" pitchFamily="18" charset="0"/>
                 <a:cs typeface="Times New Roman" pitchFamily="18" charset="0"/>
               </a:rPr>
-              <a:t>nơi đều có cảnh đẹp làm </a:t>
+              <a:t>lòng người</a:t>
             </a:r>
             <a:r>
               <a:rPr lang="vi-VN" sz="2800" kern="0">
@@ -29983,7 +29943,7 @@
                 <a:latin typeface="Times New Roman" pitchFamily="18" charset="0"/>
                 <a:cs typeface="Times New Roman" pitchFamily="18" charset="0"/>
               </a:rPr>
-              <a:t>nao </a:t>
+              <a:t>. Để có thể tận dụng </a:t>
             </a:r>
             <a:r>
               <a:rPr lang="vi-VN" sz="2800" kern="0" smtClean="0">
@@ -29993,7 +29953,7 @@
                 <a:latin typeface="Times New Roman" pitchFamily="18" charset="0"/>
                 <a:cs typeface="Times New Roman" pitchFamily="18" charset="0"/>
               </a:rPr>
-              <a:t>lòng người</a:t>
+              <a:t>nguồn </a:t>
             </a:r>
             <a:r>
               <a:rPr lang="vi-VN" sz="2800" kern="0">
@@ -30003,77 +29963,77 @@
                 <a:latin typeface="Times New Roman" pitchFamily="18" charset="0"/>
                 <a:cs typeface="Times New Roman" pitchFamily="18" charset="0"/>
               </a:rPr>
-              <a:t>. Để có thể tận </a:t>
-            </a:r>
-            <a:r>
-              <a:rPr lang="vi-VN" sz="2800" kern="0">
+              <a:t>tài nguyên </a:t>
+            </a:r>
+            <a:r>
+              <a:rPr lang="vi-VN" sz="2800" kern="0" smtClean="0">
                 <a:solidFill>
                   <a:schemeClr val="tx1"/>
                 </a:solidFill>
                 <a:latin typeface="Times New Roman" pitchFamily="18" charset="0"/>
                 <a:cs typeface="Times New Roman" pitchFamily="18" charset="0"/>
               </a:rPr>
-              <a:t>dụng </a:t>
-            </a:r>
-            <a:r>
-              <a:rPr lang="vi-VN" sz="2800" kern="0" smtClean="0">
+              <a:t>này</a:t>
+            </a:r>
+            <a:r>
+              <a:rPr lang="vi-VN" sz="2800" kern="0">
                 <a:solidFill>
                   <a:schemeClr val="tx1"/>
                 </a:solidFill>
                 <a:latin typeface="Times New Roman" pitchFamily="18" charset="0"/>
                 <a:cs typeface="Times New Roman" pitchFamily="18" charset="0"/>
               </a:rPr>
-              <a:t>nguồn </a:t>
-            </a:r>
-            <a:r>
-              <a:rPr lang="vi-VN" sz="2800" kern="0">
+              <a:t>, ngày càng có nhiều công ty du </a:t>
+            </a:r>
+            <a:r>
+              <a:rPr lang="vi-VN" sz="2800" kern="0" smtClean="0">
                 <a:solidFill>
                   <a:schemeClr val="tx1"/>
                 </a:solidFill>
                 <a:latin typeface="Times New Roman" pitchFamily="18" charset="0"/>
                 <a:cs typeface="Times New Roman" pitchFamily="18" charset="0"/>
               </a:rPr>
-              <a:t>tài </a:t>
-            </a:r>
-            <a:r>
-              <a:rPr lang="vi-VN" sz="2800" kern="0">
+              <a:t>lịch</a:t>
+            </a:r>
+            <a:r>
+              <a:rPr lang="en-US" sz="2800" kern="0">
                 <a:solidFill>
                   <a:schemeClr val="tx1"/>
                 </a:solidFill>
                 <a:latin typeface="Times New Roman" pitchFamily="18" charset="0"/>
                 <a:cs typeface="Times New Roman" pitchFamily="18" charset="0"/>
               </a:rPr>
-              <a:t>nguyên </a:t>
-            </a:r>
-            <a:r>
-              <a:rPr lang="vi-VN" sz="2800" kern="0" smtClean="0">
+              <a:t> </a:t>
+            </a:r>
+            <a:r>
+              <a:rPr lang="en-US" sz="2800" kern="0" smtClean="0">
                 <a:solidFill>
                   <a:schemeClr val="tx1"/>
                 </a:solidFill>
                 <a:latin typeface="Times New Roman" pitchFamily="18" charset="0"/>
                 <a:cs typeface="Times New Roman" pitchFamily="18" charset="0"/>
               </a:rPr>
-              <a:t>này</a:t>
-            </a:r>
-            <a:r>
-              <a:rPr lang="vi-VN" sz="2800" kern="0">
+              <a:t>ra đời</a:t>
+            </a:r>
+            <a:r>
+              <a:rPr lang="vi-VN" sz="2800" kern="0" smtClean="0">
                 <a:solidFill>
                   <a:schemeClr val="tx1"/>
                 </a:solidFill>
                 <a:latin typeface="Times New Roman" pitchFamily="18" charset="0"/>
                 <a:cs typeface="Times New Roman" pitchFamily="18" charset="0"/>
               </a:rPr>
-              <a:t>, ngày càng có nhiều công ty </a:t>
-            </a:r>
-            <a:r>
-              <a:rPr lang="vi-VN" sz="2800" kern="0">
+              <a:t>. </a:t>
+            </a:r>
+            <a:r>
+              <a:rPr lang="en-US" sz="2800" kern="0" smtClean="0">
                 <a:solidFill>
                   <a:schemeClr val="tx1"/>
                 </a:solidFill>
                 <a:latin typeface="Times New Roman" pitchFamily="18" charset="0"/>
                 <a:cs typeface="Times New Roman" pitchFamily="18" charset="0"/>
               </a:rPr>
-              <a:t>du </a:t>
+              <a:t>Đ</a:t>
             </a:r>
             <a:r>
               <a:rPr lang="vi-VN" sz="2800" kern="0" smtClean="0">
@@ -30083,117 +30043,117 @@
                 <a:latin typeface="Times New Roman" pitchFamily="18" charset="0"/>
                 <a:cs typeface="Times New Roman" pitchFamily="18" charset="0"/>
               </a:rPr>
-              <a:t>lịch</a:t>
-            </a:r>
-            <a:r>
-              <a:rPr lang="en-US" sz="2800" kern="0">
+              <a:t>ể</a:t>
+            </a:r>
+            <a:r>
+              <a:rPr lang="en-US" sz="2800" kern="0" smtClean="0">
                 <a:solidFill>
                   <a:schemeClr val="tx1"/>
                 </a:solidFill>
                 <a:latin typeface="Times New Roman" pitchFamily="18" charset="0"/>
                 <a:cs typeface="Times New Roman" pitchFamily="18" charset="0"/>
               </a:rPr>
-              <a:t> </a:t>
-            </a:r>
-            <a:r>
-              <a:rPr lang="en-US" sz="2800" kern="0" smtClean="0">
+              <a:t> tăng sự cạnh tranh cũng như quảng bá dịch vụ đến với khách hàng gần hơn</a:t>
+            </a:r>
+            <a:r>
+              <a:rPr lang="vi-VN" sz="2800" kern="0" smtClean="0">
                 <a:solidFill>
                   <a:schemeClr val="tx1"/>
                 </a:solidFill>
                 <a:latin typeface="Times New Roman" pitchFamily="18" charset="0"/>
                 <a:cs typeface="Times New Roman" pitchFamily="18" charset="0"/>
               </a:rPr>
-              <a:t>ra đời</a:t>
-            </a:r>
-            <a:r>
-              <a:rPr lang="vi-VN" sz="2800" kern="0" smtClean="0">
+              <a:t> </a:t>
+            </a:r>
+            <a:r>
+              <a:rPr lang="en-US" sz="2800" kern="0" smtClean="0">
                 <a:solidFill>
                   <a:schemeClr val="tx1"/>
                 </a:solidFill>
                 <a:latin typeface="Times New Roman" pitchFamily="18" charset="0"/>
                 <a:cs typeface="Times New Roman" pitchFamily="18" charset="0"/>
               </a:rPr>
-              <a:t>. </a:t>
-            </a:r>
-            <a:r>
-              <a:rPr lang="en-US" sz="2800" kern="0" smtClean="0">
+              <a:t>thì </a:t>
+            </a:r>
+            <a:r>
+              <a:rPr lang="vi-VN" sz="2800" kern="0" smtClean="0">
                 <a:solidFill>
                   <a:schemeClr val="tx1"/>
                 </a:solidFill>
                 <a:latin typeface="Times New Roman" pitchFamily="18" charset="0"/>
                 <a:cs typeface="Times New Roman" pitchFamily="18" charset="0"/>
               </a:rPr>
-              <a:t>Đ</a:t>
-            </a:r>
-            <a:r>
-              <a:rPr lang="vi-VN" sz="2800" kern="0" smtClean="0">
+              <a:t>xây </a:t>
+            </a:r>
+            <a:r>
+              <a:rPr lang="vi-VN" sz="2800" kern="0">
                 <a:solidFill>
                   <a:schemeClr val="tx1"/>
                 </a:solidFill>
                 <a:latin typeface="Times New Roman" pitchFamily="18" charset="0"/>
                 <a:cs typeface="Times New Roman" pitchFamily="18" charset="0"/>
               </a:rPr>
-              <a:t>ể</a:t>
-            </a:r>
-            <a:r>
-              <a:rPr lang="en-US" sz="2800" kern="0" smtClean="0">
+              <a:t>dựng, thiết kế và phát triển một hệ </a:t>
+            </a:r>
+            <a:r>
+              <a:rPr lang="vi-VN" sz="2800" kern="0" smtClean="0">
                 <a:solidFill>
                   <a:schemeClr val="tx1"/>
                 </a:solidFill>
                 <a:latin typeface="Times New Roman" pitchFamily="18" charset="0"/>
                 <a:cs typeface="Times New Roman" pitchFamily="18" charset="0"/>
               </a:rPr>
-              <a:t> tăng sự cạnh tranh cũng như quảng bá dịch vụ đến với khách hàng gần hơn</a:t>
-            </a:r>
-            <a:r>
-              <a:rPr lang="vi-VN" sz="2800" kern="0" smtClean="0">
+              <a:t>thống</a:t>
+            </a:r>
+            <a:r>
+              <a:rPr lang="en-US" sz="2800" kern="0" smtClean="0">
                 <a:solidFill>
                   <a:schemeClr val="tx1"/>
                 </a:solidFill>
                 <a:latin typeface="Times New Roman" pitchFamily="18" charset="0"/>
                 <a:cs typeface="Times New Roman" pitchFamily="18" charset="0"/>
               </a:rPr>
-              <a:t> </a:t>
-            </a:r>
-            <a:r>
-              <a:rPr lang="en-US" sz="2800" kern="0" smtClean="0">
+              <a:t> quản lý thông tin du lịch</a:t>
+            </a:r>
+            <a:r>
+              <a:rPr lang="vi-VN" sz="2800" kern="0" smtClean="0">
                 <a:solidFill>
                   <a:schemeClr val="tx1"/>
                 </a:solidFill>
                 <a:latin typeface="Times New Roman" pitchFamily="18" charset="0"/>
                 <a:cs typeface="Times New Roman" pitchFamily="18" charset="0"/>
               </a:rPr>
-              <a:t>thì </a:t>
-            </a:r>
-            <a:r>
-              <a:rPr lang="vi-VN" sz="2800" kern="0" smtClean="0">
+              <a:t> </a:t>
+            </a:r>
+            <a:r>
+              <a:rPr lang="vi-VN" sz="2800" kern="0">
                 <a:solidFill>
                   <a:schemeClr val="tx1"/>
                 </a:solidFill>
                 <a:latin typeface="Times New Roman" pitchFamily="18" charset="0"/>
                 <a:cs typeface="Times New Roman" pitchFamily="18" charset="0"/>
               </a:rPr>
-              <a:t>xây </a:t>
-            </a:r>
-            <a:r>
-              <a:rPr lang="vi-VN" sz="2800" kern="0">
+              <a:t>mạnh mẽ, đầy đủ các tính </a:t>
+            </a:r>
+            <a:r>
+              <a:rPr lang="vi-VN" sz="2800" kern="0" smtClean="0">
                 <a:solidFill>
                   <a:schemeClr val="tx1"/>
                 </a:solidFill>
                 <a:latin typeface="Times New Roman" pitchFamily="18" charset="0"/>
                 <a:cs typeface="Times New Roman" pitchFamily="18" charset="0"/>
               </a:rPr>
-              <a:t>dựng, thiết kế và phát triển một </a:t>
-            </a:r>
-            <a:r>
-              <a:rPr lang="vi-VN" sz="2800" kern="0">
+              <a:t>năng</a:t>
+            </a:r>
+            <a:r>
+              <a:rPr lang="en-US" sz="2800" kern="0" smtClean="0">
                 <a:solidFill>
                   <a:schemeClr val="tx1"/>
                 </a:solidFill>
                 <a:latin typeface="Times New Roman" pitchFamily="18" charset="0"/>
                 <a:cs typeface="Times New Roman" pitchFamily="18" charset="0"/>
               </a:rPr>
-              <a:t>hệ </a:t>
+              <a:t> là một điều vô cùng</a:t>
             </a:r>
             <a:r>
               <a:rPr lang="vi-VN" sz="2800" kern="0" smtClean="0">
@@ -30203,17 +30163,17 @@
                 <a:latin typeface="Times New Roman" pitchFamily="18" charset="0"/>
                 <a:cs typeface="Times New Roman" pitchFamily="18" charset="0"/>
               </a:rPr>
-              <a:t>thống</a:t>
-            </a:r>
-            <a:r>
-              <a:rPr lang="en-US" sz="2800" kern="0" smtClean="0">
+              <a:t> </a:t>
+            </a:r>
+            <a:r>
+              <a:rPr lang="vi-VN" sz="2800" kern="0">
                 <a:solidFill>
                   <a:schemeClr val="tx1"/>
                 </a:solidFill>
                 <a:latin typeface="Times New Roman" pitchFamily="18" charset="0"/>
                 <a:cs typeface="Times New Roman" pitchFamily="18" charset="0"/>
               </a:rPr>
-              <a:t> quản lý thông tin du lịch</a:t>
+              <a:t>cần </a:t>
             </a:r>
             <a:r>
               <a:rPr lang="vi-VN" sz="2800" kern="0" smtClean="0">
@@ -30223,95 +30183,18 @@
                 <a:latin typeface="Times New Roman" pitchFamily="18" charset="0"/>
                 <a:cs typeface="Times New Roman" pitchFamily="18" charset="0"/>
               </a:rPr>
-              <a:t> </a:t>
-            </a:r>
-            <a:r>
-              <a:rPr lang="vi-VN" sz="2800" kern="0">
+              <a:t>thiết</a:t>
+            </a:r>
+            <a:r>
+              <a:rPr lang="en-US" sz="2800" kern="0" smtClean="0">
                 <a:solidFill>
                   <a:schemeClr val="tx1"/>
                 </a:solidFill>
                 <a:latin typeface="Times New Roman" pitchFamily="18" charset="0"/>
                 <a:cs typeface="Times New Roman" pitchFamily="18" charset="0"/>
               </a:rPr>
-              <a:t>mạnh mẽ, đầy đủ các </a:t>
-            </a:r>
-            <a:r>
-              <a:rPr lang="vi-VN" sz="2800" kern="0">
-                <a:solidFill>
-                  <a:schemeClr val="tx1"/>
-                </a:solidFill>
-                <a:latin typeface="Times New Roman" pitchFamily="18" charset="0"/>
-                <a:cs typeface="Times New Roman" pitchFamily="18" charset="0"/>
-              </a:rPr>
-              <a:t>tính </a:t>
-            </a:r>
-            <a:r>
-              <a:rPr lang="vi-VN" sz="2800" kern="0" smtClean="0">
-                <a:solidFill>
-                  <a:schemeClr val="tx1"/>
-                </a:solidFill>
-                <a:latin typeface="Times New Roman" pitchFamily="18" charset="0"/>
-                <a:cs typeface="Times New Roman" pitchFamily="18" charset="0"/>
-              </a:rPr>
-              <a:t>năng</a:t>
-            </a:r>
-            <a:r>
-              <a:rPr lang="en-US" sz="2800" kern="0" smtClean="0">
-                <a:solidFill>
-                  <a:schemeClr val="tx1"/>
-                </a:solidFill>
-                <a:latin typeface="Times New Roman" pitchFamily="18" charset="0"/>
-                <a:cs typeface="Times New Roman" pitchFamily="18" charset="0"/>
-              </a:rPr>
-              <a:t> là một điều vô cùng</a:t>
-            </a:r>
-            <a:r>
-              <a:rPr lang="vi-VN" sz="2800" kern="0" smtClean="0">
-                <a:solidFill>
-                  <a:schemeClr val="tx1"/>
-                </a:solidFill>
-                <a:latin typeface="Times New Roman" pitchFamily="18" charset="0"/>
-                <a:cs typeface="Times New Roman" pitchFamily="18" charset="0"/>
-              </a:rPr>
-              <a:t> </a:t>
-            </a:r>
-            <a:r>
-              <a:rPr lang="vi-VN" sz="2800" kern="0">
-                <a:solidFill>
-                  <a:schemeClr val="tx1"/>
-                </a:solidFill>
-                <a:latin typeface="Times New Roman" pitchFamily="18" charset="0"/>
-                <a:cs typeface="Times New Roman" pitchFamily="18" charset="0"/>
-              </a:rPr>
-              <a:t>cần </a:t>
-            </a:r>
-            <a:r>
-              <a:rPr lang="vi-VN" sz="2800" kern="0" smtClean="0">
-                <a:solidFill>
-                  <a:schemeClr val="tx1"/>
-                </a:solidFill>
-                <a:latin typeface="Times New Roman" pitchFamily="18" charset="0"/>
-                <a:cs typeface="Times New Roman" pitchFamily="18" charset="0"/>
-              </a:rPr>
-              <a:t>thiết</a:t>
-            </a:r>
-            <a:r>
-              <a:rPr lang="en-US" sz="2800" kern="0" smtClean="0">
-                <a:solidFill>
-                  <a:schemeClr val="tx1"/>
-                </a:solidFill>
-                <a:latin typeface="Times New Roman" pitchFamily="18" charset="0"/>
-                <a:cs typeface="Times New Roman" pitchFamily="18" charset="0"/>
-              </a:rPr>
               <a:t>.</a:t>
             </a:r>
-            <a:endParaRPr lang="en-US" sz="2800" kern="0" smtClean="0">
-              <a:solidFill>
-                <a:schemeClr val="tx1"/>
-              </a:solidFill>
-              <a:latin typeface="Times New Roman" pitchFamily="18" charset="0"/>
-              <a:cs typeface="Times New Roman" pitchFamily="18" charset="0"/>
-            </a:endParaRPr>
           </a:p>
           <a:p>
             <a:pPr>
@@ -30368,45 +30251,28 @@
                 <a:latin typeface="Times New Roman" pitchFamily="18" charset="0"/>
                 <a:cs typeface="Times New Roman" pitchFamily="18" charset="0"/>
               </a:rPr>
-              <a:t>Xây dựng hệ thống thông tin du lịch” với các tính năng vượt trội, dễ sử dụng, thân thiện với người dùng, </a:t>
-            </a:r>
-            <a:r>
-              <a:rPr lang="vi-VN" sz="2800" kern="0">
+              <a:t>Xây dựng hệ thống thông tin du lịch” với các tính năng vượt trội, dễ sử dụng, thân thiện với người dùng, tiết </a:t>
+            </a:r>
+            <a:r>
+              <a:rPr lang="vi-VN" sz="2800" kern="0" smtClean="0">
                 <a:solidFill>
                   <a:schemeClr val="tx1"/>
                 </a:solidFill>
                 <a:latin typeface="Times New Roman" pitchFamily="18" charset="0"/>
                 <a:cs typeface="Times New Roman" pitchFamily="18" charset="0"/>
               </a:rPr>
-              <a:t>tiết </a:t>
-            </a:r>
-            <a:r>
-              <a:rPr lang="vi-VN" sz="2800" kern="0" smtClean="0">
+              <a:t>kiệ</a:t>
+            </a:r>
+            <a:r>
+              <a:rPr lang="en-US" sz="2800" kern="0" smtClean="0">
                 <a:solidFill>
                   <a:schemeClr val="tx1"/>
                 </a:solidFill>
                 <a:latin typeface="Times New Roman" pitchFamily="18" charset="0"/>
                 <a:cs typeface="Times New Roman" pitchFamily="18" charset="0"/>
               </a:rPr>
-              <a:t>kiệ</a:t>
-            </a:r>
-            <a:r>
-              <a:rPr lang="en-US" sz="2800" kern="0" smtClean="0">
-                <a:solidFill>
-                  <a:schemeClr val="tx1"/>
-                </a:solidFill>
-                <a:latin typeface="Times New Roman" pitchFamily="18" charset="0"/>
-                <a:cs typeface="Times New Roman" pitchFamily="18" charset="0"/>
-              </a:rPr>
               <a:t>m thời gian và công sức.</a:t>
             </a:r>
-            <a:endParaRPr lang="en-US" sz="2800" kern="0" smtClean="0">
-              <a:solidFill>
-                <a:schemeClr val="tx1"/>
-              </a:solidFill>
-              <a:latin typeface="Times New Roman" pitchFamily="18" charset="0"/>
-              <a:cs typeface="Times New Roman" pitchFamily="18" charset="0"/>
-            </a:endParaRPr>
           </a:p>
         </p:txBody>
       </p:sp>
@@ -31000,47 +30866,27 @@
                 <a:latin typeface="Times New Roman" pitchFamily="18" charset="0"/>
                 <a:cs typeface="Times New Roman" pitchFamily="18" charset="0"/>
               </a:rPr>
-              <a:t>rất nhiều trang web cũng như ứng dụng cho </a:t>
-            </a:r>
-            <a:r>
-              <a:rPr lang="vi-VN" sz="2800" kern="0">
+              <a:t>rất nhiều trang web cũng như ứng dụng cho phép </a:t>
+            </a:r>
+            <a:r>
+              <a:rPr lang="vi-VN" sz="2800" kern="0" smtClean="0">
                 <a:solidFill>
                   <a:schemeClr val="tx1"/>
                 </a:solidFill>
                 <a:latin typeface="Times New Roman" pitchFamily="18" charset="0"/>
                 <a:cs typeface="Times New Roman" pitchFamily="18" charset="0"/>
               </a:rPr>
-              <a:t>phép </a:t>
-            </a:r>
-            <a:r>
-              <a:rPr lang="vi-VN" sz="2800" kern="0" smtClean="0">
+              <a:t>quản </a:t>
+            </a:r>
+            <a:r>
+              <a:rPr lang="vi-VN" sz="2800" kern="0">
                 <a:solidFill>
                   <a:schemeClr val="tx1"/>
                 </a:solidFill>
                 <a:latin typeface="Times New Roman" pitchFamily="18" charset="0"/>
                 <a:cs typeface="Times New Roman" pitchFamily="18" charset="0"/>
               </a:rPr>
-              <a:t>quản </a:t>
-            </a:r>
-            <a:r>
-              <a:rPr lang="vi-VN" sz="2800" kern="0">
-                <a:solidFill>
-                  <a:schemeClr val="tx1"/>
-                </a:solidFill>
-                <a:latin typeface="Times New Roman" pitchFamily="18" charset="0"/>
-                <a:cs typeface="Times New Roman" pitchFamily="18" charset="0"/>
-              </a:rPr>
-              <a:t>lý những thông tin liên quan về các chuyến </a:t>
-            </a:r>
-            <a:r>
-              <a:rPr lang="vi-VN" sz="2800" kern="0">
-                <a:solidFill>
-                  <a:schemeClr val="tx1"/>
-                </a:solidFill>
-                <a:latin typeface="Times New Roman" pitchFamily="18" charset="0"/>
-                <a:cs typeface="Times New Roman" pitchFamily="18" charset="0"/>
-              </a:rPr>
-              <a:t>du </a:t>
+              <a:t>lý những thông tin liên quan về các chuyến du </a:t>
             </a:r>
             <a:r>
               <a:rPr lang="vi-VN" sz="2800" kern="0" smtClean="0">
@@ -31165,17 +31011,7 @@
                 <a:latin typeface="Times New Roman" pitchFamily="18" charset="0"/>
                 <a:cs typeface="Times New Roman" pitchFamily="18" charset="0"/>
               </a:rPr>
-              <a:t>Fun Travel (http</a:t>
-            </a:r>
-            <a:r>
-              <a:rPr lang="en-US" sz="2800" kern="0">
-                <a:solidFill>
-                  <a:schemeClr val="tx1"/>
-                </a:solidFill>
-                <a:latin typeface="Times New Roman" pitchFamily="18" charset="0"/>
-                <a:cs typeface="Times New Roman" pitchFamily="18" charset="0"/>
-              </a:rPr>
-              <a:t>://</a:t>
+              <a:t>Fun Travel (http://</a:t>
             </a:r>
             <a:r>
               <a:rPr lang="en-US" sz="2800" kern="0" smtClean="0">
@@ -31251,10 +31087,10 @@
                 <a:latin typeface="Times New Roman" pitchFamily="18" charset="0"/>
                 <a:cs typeface="Times New Roman" pitchFamily="18" charset="0"/>
               </a:rPr>
-              <a:t>Nhưng nhìn chung các trang web này vẫn chưa thực sự đáp ứng hết yêu cầu của người dùng, thao tác </a:t>
-            </a:r>
-            <a:r>
-              <a:rPr lang="vi-VN" sz="2800" b="1" i="1" kern="0">
+              <a:t>Nhưng nhìn chung các trang web này vẫn chưa thực sự đáp ứng hết yêu cầu của người dùng, thao tác phức </a:t>
+            </a:r>
+            <a:r>
+              <a:rPr lang="vi-VN" sz="2800" b="1" i="1" kern="0" smtClean="0">
                 <a:solidFill>
                   <a:schemeClr val="accent2">
                     <a:lumMod val="60000"/>
@@ -31264,10 +31100,10 @@
                 <a:latin typeface="Times New Roman" pitchFamily="18" charset="0"/>
                 <a:cs typeface="Times New Roman" pitchFamily="18" charset="0"/>
               </a:rPr>
-              <a:t>phức </a:t>
-            </a:r>
-            <a:r>
-              <a:rPr lang="vi-VN" sz="2800" b="1" i="1" kern="0" smtClean="0">
+              <a:t>tạp, </a:t>
+            </a:r>
+            <a:r>
+              <a:rPr lang="vi-VN" sz="2800" b="1" i="1" kern="0">
                 <a:solidFill>
                   <a:schemeClr val="accent2">
                     <a:lumMod val="60000"/>
@@ -31277,33 +31113,7 @@
                 <a:latin typeface="Times New Roman" pitchFamily="18" charset="0"/>
                 <a:cs typeface="Times New Roman" pitchFamily="18" charset="0"/>
               </a:rPr>
-              <a:t>tạp, </a:t>
-            </a:r>
-            <a:r>
-              <a:rPr lang="vi-VN" sz="2800" b="1" i="1" kern="0">
-                <a:solidFill>
-                  <a:schemeClr val="accent2">
-                    <a:lumMod val="60000"/>
-                    <a:lumOff val="40000"/>
-                  </a:schemeClr>
-                </a:solidFill>
-                <a:latin typeface="Times New Roman" pitchFamily="18" charset="0"/>
-                <a:cs typeface="Times New Roman" pitchFamily="18" charset="0"/>
-              </a:rPr>
-              <a:t>giao diện quá nhiều thông tin gây </a:t>
-            </a:r>
-            <a:r>
-              <a:rPr lang="vi-VN" sz="2800" b="1" i="1" kern="0">
-                <a:solidFill>
-                  <a:schemeClr val="accent2">
-                    <a:lumMod val="60000"/>
-                    <a:lumOff val="40000"/>
-                  </a:schemeClr>
-                </a:solidFill>
-                <a:latin typeface="Times New Roman" pitchFamily="18" charset="0"/>
-                <a:cs typeface="Times New Roman" pitchFamily="18" charset="0"/>
-              </a:rPr>
-              <a:t>rối </a:t>
+              <a:t>giao diện quá nhiều thông tin gây rối </a:t>
             </a:r>
             <a:r>
               <a:rPr lang="vi-VN" sz="2800" b="1" i="1" kern="0" smtClean="0">
@@ -32092,17 +31902,7 @@
                 <a:latin typeface="Times New Roman" pitchFamily="18" charset="0"/>
                 <a:cs typeface="Times New Roman" pitchFamily="18" charset="0"/>
               </a:rPr>
-              <a:t>kế một website kinh doanh các dịch vụ một công ty du lịch lữ hành với đầy đủ các tính năng cần thiết cần phải </a:t>
-            </a:r>
-            <a:r>
-              <a:rPr lang="en-US" sz="2800" kern="0">
-                <a:solidFill>
-                  <a:schemeClr val="tx1"/>
-                </a:solidFill>
-                <a:latin typeface="Times New Roman" pitchFamily="18" charset="0"/>
-                <a:cs typeface="Times New Roman" pitchFamily="18" charset="0"/>
-              </a:rPr>
-              <a:t>có</a:t>
+              <a:t>kế một website kinh doanh các dịch vụ một công ty du lịch lữ hành với đầy đủ các tính năng cần thiết cần phải có</a:t>
             </a:r>
             <a:r>
               <a:rPr lang="en-US" sz="2800" kern="0" smtClean="0">
@@ -32172,17 +31972,7 @@
                 <a:latin typeface="Times New Roman" pitchFamily="18" charset="0"/>
                 <a:cs typeface="Times New Roman" pitchFamily="18" charset="0"/>
               </a:rPr>
-              <a:t>thống website được xây dựng trên nền Spring MVC Framework, được triển khai trên web application server</a:t>
-            </a:r>
-            <a:r>
-              <a:rPr lang="vi-VN" sz="2800" kern="0">
-                <a:solidFill>
-                  <a:schemeClr val="tx1"/>
-                </a:solidFill>
-                <a:latin typeface="Times New Roman" pitchFamily="18" charset="0"/>
-                <a:cs typeface="Times New Roman" pitchFamily="18" charset="0"/>
-              </a:rPr>
-              <a:t>, </a:t>
+              <a:t>thống website được xây dựng trên nền Spring MVC Framework, được triển khai trên web application server, </a:t>
             </a:r>
             <a:r>
               <a:rPr lang="vi-VN" sz="2800" kern="0" smtClean="0">
@@ -32889,47 +32679,7 @@
                 <a:latin typeface="Times New Roman" pitchFamily="18" charset="0"/>
                 <a:cs typeface="Times New Roman" pitchFamily="18" charset="0"/>
               </a:rPr>
-              <a:t>Ôn </a:t>
-            </a:r>
-            <a:r>
-              <a:rPr lang="vi-VN" sz="2800" kern="0">
-                <a:solidFill>
-                  <a:schemeClr val="tx1"/>
-                </a:solidFill>
-                <a:latin typeface="Times New Roman" pitchFamily="18" charset="0"/>
-                <a:cs typeface="Times New Roman" pitchFamily="18" charset="0"/>
-              </a:rPr>
-              <a:t>lại </a:t>
-            </a:r>
-            <a:r>
-              <a:rPr lang="vi-VN" sz="2800" kern="0">
-                <a:solidFill>
-                  <a:schemeClr val="tx1"/>
-                </a:solidFill>
-                <a:latin typeface="Times New Roman" pitchFamily="18" charset="0"/>
-                <a:cs typeface="Times New Roman" pitchFamily="18" charset="0"/>
-              </a:rPr>
-              <a:t>kiến </a:t>
-            </a:r>
-            <a:r>
-              <a:rPr lang="vi-VN" sz="2800" kern="0">
-                <a:solidFill>
-                  <a:schemeClr val="tx1"/>
-                </a:solidFill>
-                <a:latin typeface="Times New Roman" pitchFamily="18" charset="0"/>
-                <a:cs typeface="Times New Roman" pitchFamily="18" charset="0"/>
-              </a:rPr>
-              <a:t>thức về ngôn ngữ lập </a:t>
-            </a:r>
-            <a:r>
-              <a:rPr lang="vi-VN" sz="2800" kern="0">
-                <a:solidFill>
-                  <a:schemeClr val="tx1"/>
-                </a:solidFill>
-                <a:latin typeface="Times New Roman" pitchFamily="18" charset="0"/>
-                <a:cs typeface="Times New Roman" pitchFamily="18" charset="0"/>
-              </a:rPr>
-              <a:t>trình </a:t>
+              <a:t>Ôn lại kiến thức về ngôn ngữ lập trình </a:t>
             </a:r>
             <a:r>
               <a:rPr lang="vi-VN" sz="2800" kern="0" smtClean="0">
@@ -32994,27 +32744,7 @@
                 <a:latin typeface="Times New Roman" pitchFamily="18" charset="0"/>
                 <a:cs typeface="Times New Roman" pitchFamily="18" charset="0"/>
               </a:rPr>
-              <a:t>Tìm </a:t>
-            </a:r>
-            <a:r>
-              <a:rPr lang="vi-VN" sz="2800" kern="0">
-                <a:solidFill>
-                  <a:schemeClr val="tx1"/>
-                </a:solidFill>
-                <a:latin typeface="Times New Roman" pitchFamily="18" charset="0"/>
-                <a:cs typeface="Times New Roman" pitchFamily="18" charset="0"/>
-              </a:rPr>
-              <a:t>hiểu và nắm vững cách sử dụng Spring MVC Framework, Hibernate và </a:t>
-            </a:r>
-            <a:r>
-              <a:rPr lang="vi-VN" sz="2800" kern="0">
-                <a:solidFill>
-                  <a:schemeClr val="tx1"/>
-                </a:solidFill>
-                <a:latin typeface="Times New Roman" pitchFamily="18" charset="0"/>
-                <a:cs typeface="Times New Roman" pitchFamily="18" charset="0"/>
-              </a:rPr>
-              <a:t>Maven.</a:t>
+              <a:t>Tìm hiểu và nắm vững cách sử dụng Spring MVC Framework, Hibernate và Maven.</a:t>
             </a:r>
             <a:endParaRPr lang="en-US" sz="2800" kern="0">
               <a:solidFill>
@@ -33056,17 +32786,7 @@
                 <a:latin typeface="Times New Roman" pitchFamily="18" charset="0"/>
                 <a:cs typeface="Times New Roman" pitchFamily="18" charset="0"/>
               </a:rPr>
-              <a:t>kỹ </a:t>
-            </a:r>
-            <a:r>
-              <a:rPr lang="vi-VN" sz="2800" kern="0">
-                <a:solidFill>
-                  <a:schemeClr val="tx1"/>
-                </a:solidFill>
-                <a:latin typeface="Times New Roman" pitchFamily="18" charset="0"/>
-                <a:cs typeface="Times New Roman" pitchFamily="18" charset="0"/>
-              </a:rPr>
-              <a:t>thuật</a:t>
+              <a:t>kỹ thuật</a:t>
             </a:r>
             <a:r>
               <a:rPr lang="vi-VN" sz="2800" kern="0" smtClean="0">
@@ -33111,27 +32831,7 @@
                 <a:latin typeface="Times New Roman" pitchFamily="18" charset="0"/>
                 <a:cs typeface="Times New Roman" pitchFamily="18" charset="0"/>
               </a:rPr>
-              <a:t>Power </a:t>
-            </a:r>
-            <a:r>
-              <a:rPr lang="vi-VN" sz="2800" kern="0">
-                <a:solidFill>
-                  <a:schemeClr val="tx1"/>
-                </a:solidFill>
-                <a:latin typeface="Times New Roman" pitchFamily="18" charset="0"/>
-                <a:cs typeface="Times New Roman" pitchFamily="18" charset="0"/>
-              </a:rPr>
-              <a:t>Designer để vẽ các mô hình CDM, </a:t>
-            </a:r>
-            <a:r>
-              <a:rPr lang="vi-VN" sz="2800" kern="0">
-                <a:solidFill>
-                  <a:schemeClr val="tx1"/>
-                </a:solidFill>
-                <a:latin typeface="Times New Roman" pitchFamily="18" charset="0"/>
-                <a:cs typeface="Times New Roman" pitchFamily="18" charset="0"/>
-              </a:rPr>
-              <a:t>PDM.</a:t>
+              <a:t>Power Designer để vẽ các mô hình CDM, PDM.</a:t>
             </a:r>
             <a:endParaRPr lang="en-US" sz="2800" kern="0">
               <a:solidFill>
@@ -33163,27 +32863,7 @@
                 <a:latin typeface="Times New Roman" pitchFamily="18" charset="0"/>
                 <a:cs typeface="Times New Roman" pitchFamily="18" charset="0"/>
               </a:rPr>
-              <a:t>StarUML </a:t>
-            </a:r>
-            <a:r>
-              <a:rPr lang="vi-VN" sz="2800" kern="0">
-                <a:solidFill>
-                  <a:schemeClr val="tx1"/>
-                </a:solidFill>
-                <a:latin typeface="Times New Roman" pitchFamily="18" charset="0"/>
-                <a:cs typeface="Times New Roman" pitchFamily="18" charset="0"/>
-              </a:rPr>
-              <a:t>để vẽ sơ đồ </a:t>
-            </a:r>
-            <a:r>
-              <a:rPr lang="vi-VN" sz="2800" kern="0">
-                <a:solidFill>
-                  <a:schemeClr val="tx1"/>
-                </a:solidFill>
-                <a:latin typeface="Times New Roman" pitchFamily="18" charset="0"/>
-                <a:cs typeface="Times New Roman" pitchFamily="18" charset="0"/>
-              </a:rPr>
-              <a:t>Usecase.</a:t>
+              <a:t>StarUML để vẽ sơ đồ Usecase.</a:t>
             </a:r>
             <a:endParaRPr lang="en-US" sz="2800" kern="0">
               <a:solidFill>
@@ -33215,17 +32895,7 @@
                 <a:latin typeface="Times New Roman" pitchFamily="18" charset="0"/>
                 <a:cs typeface="Times New Roman" pitchFamily="18" charset="0"/>
               </a:rPr>
-              <a:t>MySQL </a:t>
-            </a:r>
-            <a:r>
-              <a:rPr lang="vi-VN" sz="2800" kern="0">
-                <a:solidFill>
-                  <a:schemeClr val="tx1"/>
-                </a:solidFill>
-                <a:latin typeface="Times New Roman" pitchFamily="18" charset="0"/>
-                <a:cs typeface="Times New Roman" pitchFamily="18" charset="0"/>
-              </a:rPr>
-              <a:t>để kết nối cơ sở dữ liệu.</a:t>
+              <a:t>MySQL để kết nối cơ sở dữ liệu.</a:t>
             </a:r>
           </a:p>
         </p:txBody>
@@ -33665,17 +33335,7 @@
                 <a:latin typeface="Times New Roman" pitchFamily="18" charset="0"/>
                 <a:cs typeface="Times New Roman" pitchFamily="18" charset="0"/>
               </a:rPr>
-              <a:t>Phân tích, thiết kế </a:t>
-            </a:r>
-            <a:r>
-              <a:rPr lang="vi-VN" sz="2800" kern="0">
-                <a:solidFill>
-                  <a:schemeClr val="tx1"/>
-                </a:solidFill>
-                <a:latin typeface="Times New Roman" pitchFamily="18" charset="0"/>
-                <a:cs typeface="Times New Roman" pitchFamily="18" charset="0"/>
-              </a:rPr>
-              <a:t>hệ </a:t>
+              <a:t>Phân tích, thiết kế hệ </a:t>
             </a:r>
             <a:r>
               <a:rPr lang="vi-VN" sz="2800" kern="0" smtClean="0">
@@ -33727,17 +33387,7 @@
                 <a:latin typeface="Times New Roman" pitchFamily="18" charset="0"/>
                 <a:cs typeface="Times New Roman" pitchFamily="18" charset="0"/>
               </a:rPr>
-              <a:t>Tìm </a:t>
-            </a:r>
-            <a:r>
-              <a:rPr lang="vi-VN" sz="2800" kern="0">
-                <a:solidFill>
-                  <a:schemeClr val="tx1"/>
-                </a:solidFill>
-                <a:latin typeface="Times New Roman" pitchFamily="18" charset="0"/>
-                <a:cs typeface="Times New Roman" pitchFamily="18" charset="0"/>
-              </a:rPr>
-              <a:t>hiểu </a:t>
+              <a:t>Tìm hiểu </a:t>
             </a:r>
             <a:r>
               <a:rPr lang="en-US" sz="2800" kern="0">
@@ -33804,47 +33454,27 @@
                 <a:latin typeface="Times New Roman" pitchFamily="18" charset="0"/>
                 <a:cs typeface="Times New Roman" pitchFamily="18" charset="0"/>
               </a:rPr>
-              <a:t>Xây dựng </a:t>
-            </a:r>
-            <a:r>
-              <a:rPr lang="vi-VN" sz="2800" kern="0">
+              <a:t>Xây dựng các </a:t>
+            </a:r>
+            <a:r>
+              <a:rPr lang="vi-VN" sz="2800" kern="0" smtClean="0">
                 <a:solidFill>
                   <a:schemeClr val="tx1"/>
                 </a:solidFill>
                 <a:latin typeface="Times New Roman" pitchFamily="18" charset="0"/>
                 <a:cs typeface="Times New Roman" pitchFamily="18" charset="0"/>
               </a:rPr>
-              <a:t>các </a:t>
-            </a:r>
-            <a:r>
-              <a:rPr lang="vi-VN" sz="2800" kern="0" smtClean="0">
+              <a:t>mô </a:t>
+            </a:r>
+            <a:r>
+              <a:rPr lang="vi-VN" sz="2800" kern="0">
                 <a:solidFill>
                   <a:schemeClr val="tx1"/>
                 </a:solidFill>
                 <a:latin typeface="Times New Roman" pitchFamily="18" charset="0"/>
                 <a:cs typeface="Times New Roman" pitchFamily="18" charset="0"/>
               </a:rPr>
-              <a:t>mô </a:t>
-            </a:r>
-            <a:r>
-              <a:rPr lang="vi-VN" sz="2800" kern="0">
-                <a:solidFill>
-                  <a:schemeClr val="tx1"/>
-                </a:solidFill>
-                <a:latin typeface="Times New Roman" pitchFamily="18" charset="0"/>
-                <a:cs typeface="Times New Roman" pitchFamily="18" charset="0"/>
-              </a:rPr>
-              <a:t>hình </a:t>
-            </a:r>
-            <a:r>
-              <a:rPr lang="vi-VN" sz="2800" kern="0">
-                <a:solidFill>
-                  <a:schemeClr val="tx1"/>
-                </a:solidFill>
-                <a:latin typeface="Times New Roman" pitchFamily="18" charset="0"/>
-                <a:cs typeface="Times New Roman" pitchFamily="18" charset="0"/>
-              </a:rPr>
-              <a:t>hệ </a:t>
+              <a:t>hình hệ </a:t>
             </a:r>
             <a:r>
               <a:rPr lang="vi-VN" sz="2800" kern="0" smtClean="0">
@@ -33951,17 +33581,7 @@
                 <a:latin typeface="Times New Roman" pitchFamily="18" charset="0"/>
                 <a:cs typeface="Times New Roman" pitchFamily="18" charset="0"/>
               </a:rPr>
-              <a:t>Cài đặt </a:t>
-            </a:r>
-            <a:r>
-              <a:rPr lang="vi-VN" sz="2800" kern="0">
-                <a:solidFill>
-                  <a:schemeClr val="tx1"/>
-                </a:solidFill>
-                <a:latin typeface="Times New Roman" pitchFamily="18" charset="0"/>
-                <a:cs typeface="Times New Roman" pitchFamily="18" charset="0"/>
-              </a:rPr>
-              <a:t>chương </a:t>
+              <a:t>Cài đặt chương </a:t>
             </a:r>
             <a:r>
               <a:rPr lang="vi-VN" sz="2800" kern="0" smtClean="0">
@@ -34013,17 +33633,7 @@
                 <a:latin typeface="Times New Roman" pitchFamily="18" charset="0"/>
                 <a:cs typeface="Times New Roman" pitchFamily="18" charset="0"/>
               </a:rPr>
-              <a:t>Sử </a:t>
-            </a:r>
-            <a:r>
-              <a:rPr lang="vi-VN" sz="2800" kern="0">
-                <a:solidFill>
-                  <a:schemeClr val="tx1"/>
-                </a:solidFill>
-                <a:latin typeface="Times New Roman" pitchFamily="18" charset="0"/>
-                <a:cs typeface="Times New Roman" pitchFamily="18" charset="0"/>
-              </a:rPr>
-              <a:t>dụng </a:t>
+              <a:t>Sử dụng </a:t>
             </a:r>
             <a:r>
               <a:rPr lang="en-US" sz="2800" kern="0" smtClean="0">
